--- a/MatKap.pptx
+++ b/MatKap.pptx
@@ -5,10 +5,10 @@
     <p:sldMasterId id="2147483648" r:id="rId1"/>
   </p:sldMasterIdLst>
   <p:notesMasterIdLst>
-    <p:notesMasterId r:id="rId19"/>
+    <p:notesMasterId r:id="rId21"/>
   </p:notesMasterIdLst>
   <p:handoutMasterIdLst>
-    <p:handoutMasterId r:id="rId20"/>
+    <p:handoutMasterId r:id="rId22"/>
   </p:handoutMasterIdLst>
   <p:sldIdLst>
     <p:sldId id="261" r:id="rId2"/>
@@ -26,8 +26,10 @@
     <p:sldId id="272" r:id="rId14"/>
     <p:sldId id="273" r:id="rId15"/>
     <p:sldId id="274" r:id="rId16"/>
-    <p:sldId id="276" r:id="rId17"/>
-    <p:sldId id="275" r:id="rId18"/>
+    <p:sldId id="278" r:id="rId17"/>
+    <p:sldId id="276" r:id="rId18"/>
+    <p:sldId id="275" r:id="rId19"/>
+    <p:sldId id="279" r:id="rId20"/>
   </p:sldIdLst>
   <p:sldSz cx="12192000" cy="6858000"/>
   <p:notesSz cx="6858000" cy="9144000"/>
@@ -15570,6 +15572,13 @@
       </p:transition>
     </mc:Fallback>
   </mc:AlternateContent>
+  <p:timing>
+    <p:tnLst>
+      <p:par>
+        <p:cTn id="1" dur="indefinite" restart="never" nodeType="tmRoot"/>
+      </p:par>
+    </p:tnLst>
+  </p:timing>
 </p:sld>
 </file>
 
@@ -15683,6 +15692,13 @@
       </p:transition>
     </mc:Fallback>
   </mc:AlternateContent>
+  <p:timing>
+    <p:tnLst>
+      <p:par>
+        <p:cTn id="1" dur="indefinite" restart="never" nodeType="tmRoot"/>
+      </p:par>
+    </p:tnLst>
+  </p:timing>
 </p:sld>
 </file>
 
@@ -15802,6 +15818,13 @@
       </p:transition>
     </mc:Fallback>
   </mc:AlternateContent>
+  <p:timing>
+    <p:tnLst>
+      <p:par>
+        <p:cTn id="1" dur="indefinite" restart="never" nodeType="tmRoot"/>
+      </p:par>
+    </p:tnLst>
+  </p:timing>
 </p:sld>
 </file>
 
@@ -15886,6 +15909,13 @@
       </p:transition>
     </mc:Fallback>
   </mc:AlternateContent>
+  <p:timing>
+    <p:tnLst>
+      <p:par>
+        <p:cTn id="1" dur="indefinite" restart="never" nodeType="tmRoot"/>
+      </p:par>
+    </p:tnLst>
+  </p:timing>
 </p:sld>
 </file>
 
@@ -16003,6 +16033,13 @@
       </p:transition>
     </mc:Fallback>
   </mc:AlternateContent>
+  <p:timing>
+    <p:tnLst>
+      <p:par>
+        <p:cTn id="1" dur="indefinite" restart="never" nodeType="tmRoot"/>
+      </p:par>
+    </p:tnLst>
+  </p:timing>
 </p:sld>
 </file>
 
@@ -16119,6 +16156,13 @@
       </p:transition>
     </mc:Fallback>
   </mc:AlternateContent>
+  <p:timing>
+    <p:tnLst>
+      <p:par>
+        <p:cTn id="1" dur="indefinite" restart="never" nodeType="tmRoot"/>
+      </p:par>
+    </p:tnLst>
+  </p:timing>
 </p:sld>
 </file>
 
@@ -16227,6 +16271,13 @@
       </p:transition>
     </mc:Fallback>
   </mc:AlternateContent>
+  <p:timing>
+    <p:tnLst>
+      <p:par>
+        <p:cTn id="1" dur="indefinite" restart="never" nodeType="tmRoot"/>
+      </p:par>
+    </p:tnLst>
+  </p:timing>
 </p:sld>
 </file>
 
@@ -16263,8 +16314,8 @@
           <a:lstStyle/>
           <a:p>
             <a:r>
-              <a:rPr lang="cs-CZ" dirty="0" smtClean="0"/>
-              <a:t>Ukázka</a:t>
+              <a:rPr lang="en-US" dirty="0" smtClean="0"/>
+              <a:t>Firebase</a:t>
             </a:r>
             <a:endParaRPr lang="cs-CZ" dirty="0"/>
           </a:p>
@@ -16272,12 +16323,12 @@
       </p:sp>
       <p:sp>
         <p:nvSpPr>
-          <p:cNvPr id="3" name="Zástupný symbol pro text 2"/>
+          <p:cNvPr id="3" name="Zástupný symbol pro obsah 2"/>
           <p:cNvSpPr>
             <a:spLocks noGrp="1"/>
           </p:cNvSpPr>
           <p:nvPr>
-            <p:ph type="body" idx="1"/>
+            <p:ph idx="1"/>
           </p:nvPr>
         </p:nvSpPr>
         <p:spPr/>
@@ -16285,6 +16336,49 @@
           <a:bodyPr/>
           <a:lstStyle/>
           <a:p>
+            <a:r>
+              <a:rPr lang="cs-CZ" dirty="0" err="1" smtClean="0"/>
+              <a:t>Login</a:t>
+            </a:r>
+            <a:r>
+              <a:rPr lang="en-US" dirty="0" smtClean="0"/>
+              <a:t> </a:t>
+            </a:r>
+            <a:r>
+              <a:rPr lang="cs-CZ" dirty="0" smtClean="0"/>
+              <a:t>pomocí Google</a:t>
+            </a:r>
+          </a:p>
+          <a:p>
+            <a:r>
+              <a:rPr lang="cs-CZ" dirty="0" smtClean="0"/>
+              <a:t>Správa účtů</a:t>
+            </a:r>
+          </a:p>
+          <a:p>
+            <a:r>
+              <a:rPr lang="cs-CZ" dirty="0" err="1" smtClean="0"/>
+              <a:t>Firestore</a:t>
+            </a:r>
+            <a:r>
+              <a:rPr lang="cs-CZ" dirty="0" smtClean="0"/>
+              <a:t> databáze</a:t>
+            </a:r>
+          </a:p>
+          <a:p>
+            <a:pPr lvl="1"/>
+            <a:r>
+              <a:rPr lang="cs-CZ" dirty="0" smtClean="0"/>
+              <a:t>statistiky uživatelů (XP, </a:t>
+            </a:r>
+            <a:r>
+              <a:rPr lang="cs-CZ" dirty="0" err="1" smtClean="0"/>
+              <a:t>level</a:t>
+            </a:r>
+            <a:r>
+              <a:rPr lang="cs-CZ" dirty="0" smtClean="0"/>
+              <a:t>, denní úkoly, …)</a:t>
+            </a:r>
             <a:endParaRPr lang="cs-CZ" dirty="0"/>
           </a:p>
         </p:txBody>
@@ -16292,7 +16386,7 @@
     </p:spTree>
     <p:extLst>
       <p:ext uri="{BB962C8B-B14F-4D97-AF65-F5344CB8AC3E}">
-        <p14:creationId xmlns:p14="http://schemas.microsoft.com/office/powerpoint/2010/main" val="3711706424"/>
+        <p14:creationId xmlns:p14="http://schemas.microsoft.com/office/powerpoint/2010/main" val="1180918536"/>
       </p:ext>
     </p:extLst>
   </p:cSld>
@@ -16311,6 +16405,13 @@
       </p:transition>
     </mc:Fallback>
   </mc:AlternateContent>
+  <p:timing>
+    <p:tnLst>
+      <p:par>
+        <p:cTn id="1" dur="indefinite" restart="never" nodeType="tmRoot"/>
+      </p:par>
+    </p:tnLst>
+  </p:timing>
 </p:sld>
 </file>
 
@@ -16348,6 +16449,97 @@
           <a:p>
             <a:r>
               <a:rPr lang="cs-CZ" dirty="0" smtClean="0"/>
+              <a:t>Ukázka</a:t>
+            </a:r>
+            <a:endParaRPr lang="cs-CZ" dirty="0"/>
+          </a:p>
+        </p:txBody>
+      </p:sp>
+      <p:sp>
+        <p:nvSpPr>
+          <p:cNvPr id="3" name="Zástupný symbol pro text 2"/>
+          <p:cNvSpPr>
+            <a:spLocks noGrp="1"/>
+          </p:cNvSpPr>
+          <p:nvPr>
+            <p:ph type="body" idx="1"/>
+          </p:nvPr>
+        </p:nvSpPr>
+        <p:spPr/>
+        <p:txBody>
+          <a:bodyPr/>
+          <a:lstStyle/>
+          <a:p>
+            <a:endParaRPr lang="cs-CZ" dirty="0"/>
+          </a:p>
+        </p:txBody>
+      </p:sp>
+    </p:spTree>
+    <p:extLst>
+      <p:ext uri="{BB962C8B-B14F-4D97-AF65-F5344CB8AC3E}">
+        <p14:creationId xmlns:p14="http://schemas.microsoft.com/office/powerpoint/2010/main" val="3711706424"/>
+      </p:ext>
+    </p:extLst>
+  </p:cSld>
+  <p:clrMapOvr>
+    <a:masterClrMapping/>
+  </p:clrMapOvr>
+  <mc:AlternateContent xmlns:mc="http://schemas.openxmlformats.org/markup-compatibility/2006" xmlns:p14="http://schemas.microsoft.com/office/powerpoint/2010/main">
+    <mc:Choice Requires="p14">
+      <p:transition spd="med" p14:dur="700">
+        <p:fade/>
+      </p:transition>
+    </mc:Choice>
+    <mc:Fallback xmlns="">
+      <p:transition spd="med">
+        <p:fade/>
+      </p:transition>
+    </mc:Fallback>
+  </mc:AlternateContent>
+  <p:timing>
+    <p:tnLst>
+      <p:par>
+        <p:cTn id="1" dur="indefinite" restart="never" nodeType="tmRoot"/>
+      </p:par>
+    </p:tnLst>
+  </p:timing>
+</p:sld>
+</file>
+
+<file path=ppt/slides/slide18.xml><?xml version="1.0" encoding="utf-8"?>
+<p:sld xmlns:a="http://schemas.openxmlformats.org/drawingml/2006/main" xmlns:r="http://schemas.openxmlformats.org/officeDocument/2006/relationships" xmlns:p="http://schemas.openxmlformats.org/presentationml/2006/main">
+  <p:cSld>
+    <p:spTree>
+      <p:nvGrpSpPr>
+        <p:cNvPr id="1" name=""/>
+        <p:cNvGrpSpPr/>
+        <p:nvPr/>
+      </p:nvGrpSpPr>
+      <p:grpSpPr>
+        <a:xfrm>
+          <a:off x="0" y="0"/>
+          <a:ext cx="0" cy="0"/>
+          <a:chOff x="0" y="0"/>
+          <a:chExt cx="0" cy="0"/>
+        </a:xfrm>
+      </p:grpSpPr>
+      <p:sp>
+        <p:nvSpPr>
+          <p:cNvPr id="2" name="Nadpis 1"/>
+          <p:cNvSpPr>
+            <a:spLocks noGrp="1"/>
+          </p:cNvSpPr>
+          <p:nvPr>
+            <p:ph type="title"/>
+          </p:nvPr>
+        </p:nvSpPr>
+        <p:spPr/>
+        <p:txBody>
+          <a:bodyPr/>
+          <a:lstStyle/>
+          <a:p>
+            <a:r>
+              <a:rPr lang="cs-CZ" dirty="0" smtClean="0"/>
               <a:t>Závěr</a:t>
             </a:r>
             <a:endParaRPr lang="cs-CZ" dirty="0"/>
@@ -16415,6 +16607,104 @@
       </p:transition>
     </mc:Fallback>
   </mc:AlternateContent>
+  <p:timing>
+    <p:tnLst>
+      <p:par>
+        <p:cTn id="1" dur="indefinite" restart="never" nodeType="tmRoot"/>
+      </p:par>
+    </p:tnLst>
+  </p:timing>
+</p:sld>
+</file>
+
+<file path=ppt/slides/slide19.xml><?xml version="1.0" encoding="utf-8"?>
+<p:sld xmlns:a="http://schemas.openxmlformats.org/drawingml/2006/main" xmlns:r="http://schemas.openxmlformats.org/officeDocument/2006/relationships" xmlns:p="http://schemas.openxmlformats.org/presentationml/2006/main">
+  <p:cSld>
+    <p:spTree>
+      <p:nvGrpSpPr>
+        <p:cNvPr id="1" name=""/>
+        <p:cNvGrpSpPr/>
+        <p:nvPr/>
+      </p:nvGrpSpPr>
+      <p:grpSpPr>
+        <a:xfrm>
+          <a:off x="0" y="0"/>
+          <a:ext cx="0" cy="0"/>
+          <a:chOff x="0" y="0"/>
+          <a:chExt cx="0" cy="0"/>
+        </a:xfrm>
+      </p:grpSpPr>
+      <p:sp>
+        <p:nvSpPr>
+          <p:cNvPr id="2" name="Nadpis 1"/>
+          <p:cNvSpPr>
+            <a:spLocks noGrp="1"/>
+          </p:cNvSpPr>
+          <p:nvPr>
+            <p:ph type="title"/>
+          </p:nvPr>
+        </p:nvSpPr>
+        <p:spPr/>
+        <p:txBody>
+          <a:bodyPr/>
+          <a:lstStyle/>
+          <a:p>
+            <a:r>
+              <a:rPr lang="cs-CZ" dirty="0" smtClean="0"/>
+              <a:t>Děkujeme za pozornost!</a:t>
+            </a:r>
+            <a:endParaRPr lang="cs-CZ" dirty="0"/>
+          </a:p>
+        </p:txBody>
+      </p:sp>
+      <p:sp>
+        <p:nvSpPr>
+          <p:cNvPr id="3" name="Zástupný symbol pro text 2"/>
+          <p:cNvSpPr>
+            <a:spLocks noGrp="1"/>
+          </p:cNvSpPr>
+          <p:nvPr>
+            <p:ph type="body" idx="1"/>
+          </p:nvPr>
+        </p:nvSpPr>
+        <p:spPr/>
+        <p:txBody>
+          <a:bodyPr/>
+          <a:lstStyle/>
+          <a:p>
+            <a:endParaRPr lang="cs-CZ" dirty="0"/>
+          </a:p>
+        </p:txBody>
+      </p:sp>
+    </p:spTree>
+    <p:extLst>
+      <p:ext uri="{BB962C8B-B14F-4D97-AF65-F5344CB8AC3E}">
+        <p14:creationId xmlns:p14="http://schemas.microsoft.com/office/powerpoint/2010/main" val="3461710203"/>
+      </p:ext>
+    </p:extLst>
+  </p:cSld>
+  <p:clrMapOvr>
+    <a:masterClrMapping/>
+  </p:clrMapOvr>
+  <mc:AlternateContent xmlns:mc="http://schemas.openxmlformats.org/markup-compatibility/2006" xmlns:p14="http://schemas.microsoft.com/office/powerpoint/2010/main">
+    <mc:Choice Requires="p14">
+      <p:transition spd="med" p14:dur="700">
+        <p:fade/>
+      </p:transition>
+    </mc:Choice>
+    <mc:Fallback xmlns="">
+      <p:transition spd="med">
+        <p:fade/>
+      </p:transition>
+    </mc:Fallback>
+  </mc:AlternateContent>
+  <p:timing>
+    <p:tnLst>
+      <p:par>
+        <p:cTn id="1" dur="indefinite" restart="never" nodeType="tmRoot"/>
+      </p:par>
+    </p:tnLst>
+  </p:timing>
 </p:sld>
 </file>
 
@@ -16471,7 +16761,9 @@
         </p:nvSpPr>
         <p:spPr/>
         <p:txBody>
-          <a:bodyPr rtlCol="0"/>
+          <a:bodyPr rtlCol="0">
+            <a:normAutofit/>
+          </a:bodyPr>
           <a:lstStyle/>
           <a:p>
             <a:pPr rtl="0"/>
@@ -16556,6 +16848,13 @@
       </p:transition>
     </mc:Fallback>
   </mc:AlternateContent>
+  <p:timing>
+    <p:tnLst>
+      <p:par>
+        <p:cTn id="1" dur="indefinite" restart="never" nodeType="tmRoot"/>
+      </p:par>
+    </p:tnLst>
+  </p:timing>
 </p:sld>
 </file>
 
@@ -16670,6 +16969,13 @@
       </p:transition>
     </mc:Fallback>
   </mc:AlternateContent>
+  <p:timing>
+    <p:tnLst>
+      <p:par>
+        <p:cTn id="1" dur="indefinite" restart="never" nodeType="tmRoot"/>
+      </p:par>
+    </p:tnLst>
+  </p:timing>
 </p:sld>
 </file>
 
@@ -16731,13 +17037,15 @@
           </a:xfrm>
         </p:spPr>
         <p:txBody>
-          <a:bodyPr rtlCol="0"/>
+          <a:bodyPr rtlCol="0">
+            <a:normAutofit fontScale="92500" lnSpcReduction="20000"/>
+          </a:bodyPr>
           <a:lstStyle/>
           <a:p>
             <a:pPr rtl="0"/>
             <a:r>
               <a:rPr lang="cs-CZ" dirty="0" smtClean="0"/>
-              <a:t>Java</a:t>
+              <a:t>Java 8</a:t>
             </a:r>
           </a:p>
           <a:p>
@@ -16763,11 +17071,7 @@
             </a:r>
             <a:r>
               <a:rPr lang="cs-CZ" dirty="0" smtClean="0"/>
-              <a:t> </a:t>
-            </a:r>
-            <a:r>
-              <a:rPr lang="cs-CZ" dirty="0" smtClean="0"/>
-              <a:t>2021.3.4</a:t>
+              <a:t> 2021.3.4</a:t>
             </a:r>
           </a:p>
           <a:p>
@@ -16816,6 +17120,14 @@
               <a:rPr lang="cs-CZ" dirty="0" smtClean="0"/>
               <a:t>Programy Adobe a MS Office</a:t>
             </a:r>
+          </a:p>
+          <a:p>
+            <a:pPr rtl="0"/>
+            <a:r>
+              <a:rPr lang="cs-CZ" dirty="0" err="1" smtClean="0"/>
+              <a:t>GitHub</a:t>
+            </a:r>
+            <a:endParaRPr lang="cs-CZ" dirty="0" smtClean="0"/>
           </a:p>
           <a:p>
             <a:pPr rtl="0"/>
@@ -16845,6 +17157,13 @@
       </p:transition>
     </mc:Fallback>
   </mc:AlternateContent>
+  <p:timing>
+    <p:tnLst>
+      <p:par>
+        <p:cTn id="1" dur="indefinite" restart="never" nodeType="tmRoot"/>
+      </p:par>
+    </p:tnLst>
+  </p:timing>
 </p:sld>
 </file>
 
@@ -16929,6 +17248,13 @@
       </p:transition>
     </mc:Fallback>
   </mc:AlternateContent>
+  <p:timing>
+    <p:tnLst>
+      <p:par>
+        <p:cTn id="1" dur="indefinite" restart="never" nodeType="tmRoot"/>
+      </p:par>
+    </p:tnLst>
+  </p:timing>
 </p:sld>
 </file>
 
@@ -17081,6 +17407,13 @@
       </p:transition>
     </mc:Fallback>
   </mc:AlternateContent>
+  <p:timing>
+    <p:tnLst>
+      <p:par>
+        <p:cTn id="1" dur="indefinite" restart="never" nodeType="tmRoot"/>
+      </p:par>
+    </p:tnLst>
+  </p:timing>
 </p:sld>
 </file>
 
@@ -17252,6 +17585,13 @@
       </p:transition>
     </mc:Fallback>
   </mc:AlternateContent>
+  <p:timing>
+    <p:tnLst>
+      <p:par>
+        <p:cTn id="1" dur="indefinite" restart="never" nodeType="tmRoot"/>
+      </p:par>
+    </p:tnLst>
+  </p:timing>
 </p:sld>
 </file>
 
@@ -17394,6 +17734,13 @@
       </p:transition>
     </mc:Fallback>
   </mc:AlternateContent>
+  <p:timing>
+    <p:tnLst>
+      <p:par>
+        <p:cTn id="1" dur="indefinite" restart="never" nodeType="tmRoot"/>
+      </p:par>
+    </p:tnLst>
+  </p:timing>
 </p:sld>
 </file>
 
@@ -17478,6 +17825,13 @@
       </p:transition>
     </mc:Fallback>
   </mc:AlternateContent>
+  <p:timing>
+    <p:tnLst>
+      <p:par>
+        <p:cTn id="1" dur="indefinite" restart="never" nodeType="tmRoot"/>
+      </p:par>
+    </p:tnLst>
+  </p:timing>
 </p:sld>
 </file>
 

--- a/MatKap.pptx
+++ b/MatKap.pptx
@@ -148,10 +148,6 @@
     </p:ext>
   </p:extLst>
 </p:presentation>
-</file>
-
-<file path=ppt/revisionInfo.xml><?xml version="1.0" encoding="utf-8"?>
-<p1510:revInfo xmlns:a="http://schemas.openxmlformats.org/drawingml/2006/main" xmlns:r="http://schemas.openxmlformats.org/officeDocument/2006/relationships" xmlns:p1510="http://schemas.microsoft.com/office/powerpoint/2015/10/main"/>
 </file>
 
 <file path=ppt/handoutMasters/handoutMaster1.xml><?xml version="1.0" encoding="utf-8"?>
@@ -2895,7 +2891,7 @@
           <a:p>
             <a:pPr rtl="0"/>
             <a:r>
-              <a:rPr lang="cs-CZ" smtClean="0"/>
+              <a:rPr lang="cs-CZ"/>
               <a:t>Kliknutím lze upravit styl.</a:t>
             </a:r>
             <a:endParaRPr lang="cs-CZ" noProof="0" dirty="0"/>
@@ -2971,7 +2967,7 @@
           </a:lstStyle>
           <a:p>
             <a:r>
-              <a:rPr lang="cs-CZ" smtClean="0"/>
+              <a:rPr lang="cs-CZ"/>
               <a:t>Kliknutím můžete upravit styl předlohy.</a:t>
             </a:r>
             <a:endParaRPr lang="cs-CZ" dirty="0"/>
@@ -3072,7 +3068,7 @@
           <a:p>
             <a:pPr rtl="0"/>
             <a:r>
-              <a:rPr lang="cs-CZ" smtClean="0"/>
+              <a:rPr lang="cs-CZ"/>
               <a:t>Kliknutím lze upravit styl.</a:t>
             </a:r>
             <a:endParaRPr lang="cs-CZ" noProof="0" dirty="0"/>
@@ -3100,35 +3096,35 @@
           <a:p>
             <a:pPr lvl="0"/>
             <a:r>
-              <a:rPr lang="cs-CZ" smtClean="0"/>
+              <a:rPr lang="cs-CZ"/>
               <a:t>Upravte styly předlohy textu.</a:t>
             </a:r>
           </a:p>
           <a:p>
             <a:pPr lvl="1"/>
             <a:r>
-              <a:rPr lang="cs-CZ" smtClean="0"/>
+              <a:rPr lang="cs-CZ"/>
               <a:t>Druhá úroveň</a:t>
             </a:r>
           </a:p>
           <a:p>
             <a:pPr lvl="2"/>
             <a:r>
-              <a:rPr lang="cs-CZ" smtClean="0"/>
+              <a:rPr lang="cs-CZ"/>
               <a:t>Třetí úroveň</a:t>
             </a:r>
           </a:p>
           <a:p>
             <a:pPr lvl="3"/>
             <a:r>
-              <a:rPr lang="cs-CZ" smtClean="0"/>
+              <a:rPr lang="cs-CZ"/>
               <a:t>Čtvrtá úroveň</a:t>
             </a:r>
           </a:p>
           <a:p>
             <a:pPr lvl="4"/>
             <a:r>
-              <a:rPr lang="cs-CZ" smtClean="0"/>
+              <a:rPr lang="cs-CZ"/>
               <a:t>Pátá úroveň</a:t>
             </a:r>
             <a:endParaRPr lang="cs-CZ" noProof="0" dirty="0"/>
@@ -3151,10 +3147,7 @@
           <a:lstStyle/>
           <a:p>
             <a:pPr rtl="0"/>
-            <a:r>
-              <a:rPr lang="cs-CZ" noProof="0"/>
-              <a:t>Přidejte zápatí.</a:t>
-            </a:r>
+            <a:endParaRPr lang="cs-CZ" noProof="0"/>
           </a:p>
         </p:txBody>
       </p:sp>
@@ -3174,10 +3167,6 @@
           <a:lstStyle/>
           <a:p>
             <a:pPr rtl="0"/>
-            <a:fld id="{01A43803-B34E-4A21-BA63-07358795F49C}" type="datetime1">
-              <a:rPr lang="cs-CZ" noProof="0" smtClean="0"/>
-              <a:t>01.03.2022</a:t>
-            </a:fld>
             <a:endParaRPr lang="cs-CZ" noProof="0"/>
           </a:p>
         </p:txBody>
@@ -3274,7 +3263,7 @@
           <a:p>
             <a:pPr rtl="0"/>
             <a:r>
-              <a:rPr lang="cs-CZ" smtClean="0"/>
+              <a:rPr lang="cs-CZ"/>
               <a:t>Kliknutím lze upravit styl.</a:t>
             </a:r>
             <a:endParaRPr lang="cs-CZ" noProof="0" dirty="0"/>
@@ -3307,35 +3296,35 @@
           <a:p>
             <a:pPr lvl="0"/>
             <a:r>
-              <a:rPr lang="cs-CZ" smtClean="0"/>
+              <a:rPr lang="cs-CZ"/>
               <a:t>Upravte styly předlohy textu.</a:t>
             </a:r>
           </a:p>
           <a:p>
             <a:pPr lvl="1"/>
             <a:r>
-              <a:rPr lang="cs-CZ" smtClean="0"/>
+              <a:rPr lang="cs-CZ"/>
               <a:t>Druhá úroveň</a:t>
             </a:r>
           </a:p>
           <a:p>
             <a:pPr lvl="2"/>
             <a:r>
-              <a:rPr lang="cs-CZ" smtClean="0"/>
+              <a:rPr lang="cs-CZ"/>
               <a:t>Třetí úroveň</a:t>
             </a:r>
           </a:p>
           <a:p>
             <a:pPr lvl="3"/>
             <a:r>
-              <a:rPr lang="cs-CZ" smtClean="0"/>
+              <a:rPr lang="cs-CZ"/>
               <a:t>Čtvrtá úroveň</a:t>
             </a:r>
           </a:p>
           <a:p>
             <a:pPr lvl="4"/>
             <a:r>
-              <a:rPr lang="cs-CZ" smtClean="0"/>
+              <a:rPr lang="cs-CZ"/>
               <a:t>Pátá úroveň</a:t>
             </a:r>
             <a:endParaRPr lang="cs-CZ" noProof="0" dirty="0"/>
@@ -3358,10 +3347,7 @@
           <a:lstStyle/>
           <a:p>
             <a:pPr rtl="0"/>
-            <a:r>
-              <a:rPr lang="cs-CZ" noProof="0"/>
-              <a:t>Přidejte zápatí.</a:t>
-            </a:r>
+            <a:endParaRPr lang="cs-CZ" noProof="0"/>
           </a:p>
         </p:txBody>
       </p:sp>
@@ -3381,10 +3367,6 @@
           <a:lstStyle/>
           <a:p>
             <a:pPr rtl="0"/>
-            <a:fld id="{E9EDAFAD-3ED0-4A0D-81D7-BE2880302040}" type="datetime1">
-              <a:rPr lang="cs-CZ" noProof="0" smtClean="0"/>
-              <a:t>01.03.2022</a:t>
-            </a:fld>
             <a:endParaRPr lang="cs-CZ" noProof="0"/>
           </a:p>
         </p:txBody>
@@ -3476,7 +3458,7 @@
           <a:p>
             <a:pPr rtl="0"/>
             <a:r>
-              <a:rPr lang="cs-CZ" smtClean="0"/>
+              <a:rPr lang="cs-CZ"/>
               <a:t>Kliknutím lze upravit styl.</a:t>
             </a:r>
             <a:endParaRPr lang="cs-CZ" noProof="0" dirty="0"/>
@@ -3504,35 +3486,35 @@
           <a:p>
             <a:pPr lvl="0"/>
             <a:r>
-              <a:rPr lang="cs-CZ" smtClean="0"/>
+              <a:rPr lang="cs-CZ"/>
               <a:t>Upravte styly předlohy textu.</a:t>
             </a:r>
           </a:p>
           <a:p>
             <a:pPr lvl="1"/>
             <a:r>
-              <a:rPr lang="cs-CZ" smtClean="0"/>
+              <a:rPr lang="cs-CZ"/>
               <a:t>Druhá úroveň</a:t>
             </a:r>
           </a:p>
           <a:p>
             <a:pPr lvl="2"/>
             <a:r>
-              <a:rPr lang="cs-CZ" smtClean="0"/>
+              <a:rPr lang="cs-CZ"/>
               <a:t>Třetí úroveň</a:t>
             </a:r>
           </a:p>
           <a:p>
             <a:pPr lvl="3"/>
             <a:r>
-              <a:rPr lang="cs-CZ" smtClean="0"/>
+              <a:rPr lang="cs-CZ"/>
               <a:t>Čtvrtá úroveň</a:t>
             </a:r>
           </a:p>
           <a:p>
             <a:pPr lvl="4"/>
             <a:r>
-              <a:rPr lang="cs-CZ" smtClean="0"/>
+              <a:rPr lang="cs-CZ"/>
               <a:t>Pátá úroveň</a:t>
             </a:r>
             <a:endParaRPr lang="cs-CZ" noProof="0" dirty="0"/>
@@ -3555,10 +3537,7 @@
           <a:lstStyle/>
           <a:p>
             <a:pPr rtl="0"/>
-            <a:r>
-              <a:rPr lang="cs-CZ" noProof="0"/>
-              <a:t>Přidejte zápatí.</a:t>
-            </a:r>
+            <a:endParaRPr lang="cs-CZ" noProof="0"/>
           </a:p>
         </p:txBody>
       </p:sp>
@@ -3578,10 +3557,6 @@
           <a:lstStyle/>
           <a:p>
             <a:pPr rtl="0"/>
-            <a:fld id="{B3743B5B-B27E-424D-A85B-0CF2D5A056BB}" type="datetime1">
-              <a:rPr lang="cs-CZ" noProof="0" smtClean="0"/>
-              <a:t>01.03.2022</a:t>
-            </a:fld>
             <a:endParaRPr lang="cs-CZ" noProof="0"/>
           </a:p>
         </p:txBody>
@@ -5531,7 +5506,7 @@
           <a:p>
             <a:pPr rtl="0"/>
             <a:r>
-              <a:rPr lang="cs-CZ" smtClean="0"/>
+              <a:rPr lang="cs-CZ"/>
               <a:t>Kliknutím lze upravit styl.</a:t>
             </a:r>
             <a:endParaRPr lang="cs-CZ" noProof="0" dirty="0"/>
@@ -5606,7 +5581,7 @@
           <a:p>
             <a:pPr lvl="0"/>
             <a:r>
-              <a:rPr lang="cs-CZ" smtClean="0"/>
+              <a:rPr lang="cs-CZ"/>
               <a:t>Upravte styly předlohy textu.</a:t>
             </a:r>
           </a:p>
@@ -5710,7 +5685,7 @@
           <a:p>
             <a:pPr rtl="0"/>
             <a:r>
-              <a:rPr lang="cs-CZ" smtClean="0"/>
+              <a:rPr lang="cs-CZ"/>
               <a:t>Kliknutím lze upravit styl.</a:t>
             </a:r>
             <a:endParaRPr lang="cs-CZ" noProof="0" dirty="0"/>
@@ -5769,35 +5744,35 @@
           <a:p>
             <a:pPr lvl="0"/>
             <a:r>
-              <a:rPr lang="cs-CZ" smtClean="0"/>
+              <a:rPr lang="cs-CZ"/>
               <a:t>Upravte styly předlohy textu.</a:t>
             </a:r>
           </a:p>
           <a:p>
             <a:pPr lvl="1"/>
             <a:r>
-              <a:rPr lang="cs-CZ" smtClean="0"/>
+              <a:rPr lang="cs-CZ"/>
               <a:t>Druhá úroveň</a:t>
             </a:r>
           </a:p>
           <a:p>
             <a:pPr lvl="2"/>
             <a:r>
-              <a:rPr lang="cs-CZ" smtClean="0"/>
+              <a:rPr lang="cs-CZ"/>
               <a:t>Třetí úroveň</a:t>
             </a:r>
           </a:p>
           <a:p>
             <a:pPr lvl="3"/>
             <a:r>
-              <a:rPr lang="cs-CZ" smtClean="0"/>
+              <a:rPr lang="cs-CZ"/>
               <a:t>Čtvrtá úroveň</a:t>
             </a:r>
           </a:p>
           <a:p>
             <a:pPr lvl="4"/>
             <a:r>
-              <a:rPr lang="cs-CZ" smtClean="0"/>
+              <a:rPr lang="cs-CZ"/>
               <a:t>Pátá úroveň</a:t>
             </a:r>
             <a:endParaRPr lang="cs-CZ" noProof="0" dirty="0"/>
@@ -5856,35 +5831,35 @@
           <a:p>
             <a:pPr lvl="0"/>
             <a:r>
-              <a:rPr lang="cs-CZ" smtClean="0"/>
+              <a:rPr lang="cs-CZ"/>
               <a:t>Upravte styly předlohy textu.</a:t>
             </a:r>
           </a:p>
           <a:p>
             <a:pPr lvl="1"/>
             <a:r>
-              <a:rPr lang="cs-CZ" smtClean="0"/>
+              <a:rPr lang="cs-CZ"/>
               <a:t>Druhá úroveň</a:t>
             </a:r>
           </a:p>
           <a:p>
             <a:pPr lvl="2"/>
             <a:r>
-              <a:rPr lang="cs-CZ" smtClean="0"/>
+              <a:rPr lang="cs-CZ"/>
               <a:t>Třetí úroveň</a:t>
             </a:r>
           </a:p>
           <a:p>
             <a:pPr lvl="3"/>
             <a:r>
-              <a:rPr lang="cs-CZ" smtClean="0"/>
+              <a:rPr lang="cs-CZ"/>
               <a:t>Čtvrtá úroveň</a:t>
             </a:r>
           </a:p>
           <a:p>
             <a:pPr lvl="4"/>
             <a:r>
-              <a:rPr lang="cs-CZ" smtClean="0"/>
+              <a:rPr lang="cs-CZ"/>
               <a:t>Pátá úroveň</a:t>
             </a:r>
             <a:endParaRPr lang="cs-CZ" noProof="0" dirty="0"/>
@@ -5907,10 +5882,7 @@
           <a:lstStyle/>
           <a:p>
             <a:pPr rtl="0"/>
-            <a:r>
-              <a:rPr lang="cs-CZ" noProof="0"/>
-              <a:t>Přidejte zápatí.</a:t>
-            </a:r>
+            <a:endParaRPr lang="cs-CZ" noProof="0"/>
           </a:p>
         </p:txBody>
       </p:sp>
@@ -5930,10 +5902,6 @@
           <a:lstStyle/>
           <a:p>
             <a:pPr rtl="0"/>
-            <a:fld id="{EB24BC68-ECE8-4805-9A55-9C2257ECC0C9}" type="datetime1">
-              <a:rPr lang="cs-CZ" noProof="0" smtClean="0"/>
-              <a:t>01.03.2022</a:t>
-            </a:fld>
             <a:endParaRPr lang="cs-CZ" noProof="0"/>
           </a:p>
         </p:txBody>
@@ -6025,7 +5993,7 @@
           <a:p>
             <a:pPr rtl="0"/>
             <a:r>
-              <a:rPr lang="cs-CZ" smtClean="0"/>
+              <a:rPr lang="cs-CZ"/>
               <a:t>Kliknutím lze upravit styl.</a:t>
             </a:r>
             <a:endParaRPr lang="cs-CZ" noProof="0" dirty="0"/>
@@ -6100,7 +6068,7 @@
           <a:p>
             <a:pPr lvl="0"/>
             <a:r>
-              <a:rPr lang="cs-CZ" smtClean="0"/>
+              <a:rPr lang="cs-CZ"/>
               <a:t>Upravte styly předlohy textu.</a:t>
             </a:r>
           </a:p>
@@ -6158,35 +6126,35 @@
           <a:p>
             <a:pPr lvl="0"/>
             <a:r>
-              <a:rPr lang="cs-CZ" smtClean="0"/>
+              <a:rPr lang="cs-CZ"/>
               <a:t>Upravte styly předlohy textu.</a:t>
             </a:r>
           </a:p>
           <a:p>
             <a:pPr lvl="1"/>
             <a:r>
-              <a:rPr lang="cs-CZ" smtClean="0"/>
+              <a:rPr lang="cs-CZ"/>
               <a:t>Druhá úroveň</a:t>
             </a:r>
           </a:p>
           <a:p>
             <a:pPr lvl="2"/>
             <a:r>
-              <a:rPr lang="cs-CZ" smtClean="0"/>
+              <a:rPr lang="cs-CZ"/>
               <a:t>Třetí úroveň</a:t>
             </a:r>
           </a:p>
           <a:p>
             <a:pPr lvl="3"/>
             <a:r>
-              <a:rPr lang="cs-CZ" smtClean="0"/>
+              <a:rPr lang="cs-CZ"/>
               <a:t>Čtvrtá úroveň</a:t>
             </a:r>
           </a:p>
           <a:p>
             <a:pPr lvl="4"/>
             <a:r>
-              <a:rPr lang="cs-CZ" smtClean="0"/>
+              <a:rPr lang="cs-CZ"/>
               <a:t>Pátá úroveň</a:t>
             </a:r>
             <a:endParaRPr lang="cs-CZ" noProof="0" dirty="0"/>
@@ -6261,7 +6229,7 @@
           <a:p>
             <a:pPr lvl="0"/>
             <a:r>
-              <a:rPr lang="cs-CZ" smtClean="0"/>
+              <a:rPr lang="cs-CZ"/>
               <a:t>Upravte styly předlohy textu.</a:t>
             </a:r>
           </a:p>
@@ -6319,35 +6287,35 @@
           <a:p>
             <a:pPr lvl="0"/>
             <a:r>
-              <a:rPr lang="cs-CZ" smtClean="0"/>
+              <a:rPr lang="cs-CZ"/>
               <a:t>Upravte styly předlohy textu.</a:t>
             </a:r>
           </a:p>
           <a:p>
             <a:pPr lvl="1"/>
             <a:r>
-              <a:rPr lang="cs-CZ" smtClean="0"/>
+              <a:rPr lang="cs-CZ"/>
               <a:t>Druhá úroveň</a:t>
             </a:r>
           </a:p>
           <a:p>
             <a:pPr lvl="2"/>
             <a:r>
-              <a:rPr lang="cs-CZ" smtClean="0"/>
+              <a:rPr lang="cs-CZ"/>
               <a:t>Třetí úroveň</a:t>
             </a:r>
           </a:p>
           <a:p>
             <a:pPr lvl="3"/>
             <a:r>
-              <a:rPr lang="cs-CZ" smtClean="0"/>
+              <a:rPr lang="cs-CZ"/>
               <a:t>Čtvrtá úroveň</a:t>
             </a:r>
           </a:p>
           <a:p>
             <a:pPr lvl="4"/>
             <a:r>
-              <a:rPr lang="cs-CZ" smtClean="0"/>
+              <a:rPr lang="cs-CZ"/>
               <a:t>Pátá úroveň</a:t>
             </a:r>
             <a:endParaRPr lang="cs-CZ" noProof="0" dirty="0"/>
@@ -6370,10 +6338,7 @@
           <a:lstStyle/>
           <a:p>
             <a:pPr rtl="0"/>
-            <a:r>
-              <a:rPr lang="cs-CZ" noProof="0"/>
-              <a:t>Přidejte zápatí.</a:t>
-            </a:r>
+            <a:endParaRPr lang="cs-CZ" noProof="0"/>
           </a:p>
         </p:txBody>
       </p:sp>
@@ -6393,10 +6358,6 @@
           <a:lstStyle/>
           <a:p>
             <a:pPr rtl="0"/>
-            <a:fld id="{BD756997-346B-423B-AA9B-848EE5B64AF5}" type="datetime1">
-              <a:rPr lang="cs-CZ" noProof="0" smtClean="0"/>
-              <a:t>01.03.2022</a:t>
-            </a:fld>
             <a:endParaRPr lang="cs-CZ" noProof="0"/>
           </a:p>
         </p:txBody>
@@ -6488,7 +6449,7 @@
           <a:p>
             <a:pPr rtl="0"/>
             <a:r>
-              <a:rPr lang="cs-CZ" smtClean="0"/>
+              <a:rPr lang="cs-CZ"/>
               <a:t>Kliknutím lze upravit styl.</a:t>
             </a:r>
             <a:endParaRPr lang="cs-CZ" noProof="0" dirty="0"/>
@@ -6511,10 +6472,7 @@
           <a:lstStyle/>
           <a:p>
             <a:pPr rtl="0"/>
-            <a:r>
-              <a:rPr lang="cs-CZ" noProof="0"/>
-              <a:t>Přidejte zápatí.</a:t>
-            </a:r>
+            <a:endParaRPr lang="cs-CZ" noProof="0"/>
           </a:p>
         </p:txBody>
       </p:sp>
@@ -6534,10 +6492,6 @@
           <a:lstStyle/>
           <a:p>
             <a:pPr rtl="0"/>
-            <a:fld id="{3A2B177C-95AC-41FE-9F9F-0B2C1F2EA019}" type="datetime1">
-              <a:rPr lang="cs-CZ" noProof="0" smtClean="0"/>
-              <a:t>01.03.2022</a:t>
-            </a:fld>
             <a:endParaRPr lang="cs-CZ" noProof="0"/>
           </a:p>
         </p:txBody>
@@ -8447,10 +8401,7 @@
           <a:lstStyle/>
           <a:p>
             <a:pPr rtl="0"/>
-            <a:r>
-              <a:rPr lang="cs-CZ" noProof="0"/>
-              <a:t>Přidejte zápatí.</a:t>
-            </a:r>
+            <a:endParaRPr lang="cs-CZ" noProof="0"/>
           </a:p>
         </p:txBody>
       </p:sp>
@@ -8470,10 +8421,6 @@
           <a:lstStyle/>
           <a:p>
             <a:pPr rtl="0"/>
-            <a:fld id="{257C3D0C-6EC3-4A33-B5CE-0AAEB0B0515E}" type="datetime1">
-              <a:rPr lang="cs-CZ" noProof="0" smtClean="0"/>
-              <a:t>01.03.2022</a:t>
-            </a:fld>
             <a:endParaRPr lang="cs-CZ" noProof="0"/>
           </a:p>
         </p:txBody>
@@ -10482,7 +10429,7 @@
           <a:p>
             <a:pPr rtl="0"/>
             <a:r>
-              <a:rPr lang="cs-CZ" smtClean="0"/>
+              <a:rPr lang="cs-CZ"/>
               <a:t>Kliknutím lze upravit styl.</a:t>
             </a:r>
             <a:endParaRPr lang="cs-CZ" noProof="0" dirty="0"/>
@@ -10541,35 +10488,35 @@
           <a:p>
             <a:pPr lvl="0"/>
             <a:r>
-              <a:rPr lang="cs-CZ" smtClean="0"/>
+              <a:rPr lang="cs-CZ"/>
               <a:t>Upravte styly předlohy textu.</a:t>
             </a:r>
           </a:p>
           <a:p>
             <a:pPr lvl="1"/>
             <a:r>
-              <a:rPr lang="cs-CZ" smtClean="0"/>
+              <a:rPr lang="cs-CZ"/>
               <a:t>Druhá úroveň</a:t>
             </a:r>
           </a:p>
           <a:p>
             <a:pPr lvl="2"/>
             <a:r>
-              <a:rPr lang="cs-CZ" smtClean="0"/>
+              <a:rPr lang="cs-CZ"/>
               <a:t>Třetí úroveň</a:t>
             </a:r>
           </a:p>
           <a:p>
             <a:pPr lvl="3"/>
             <a:r>
-              <a:rPr lang="cs-CZ" smtClean="0"/>
+              <a:rPr lang="cs-CZ"/>
               <a:t>Čtvrtá úroveň</a:t>
             </a:r>
           </a:p>
           <a:p>
             <a:pPr lvl="4"/>
             <a:r>
-              <a:rPr lang="cs-CZ" smtClean="0"/>
+              <a:rPr lang="cs-CZ"/>
               <a:t>Pátá úroveň</a:t>
             </a:r>
             <a:endParaRPr lang="cs-CZ" noProof="0" dirty="0"/>
@@ -10644,7 +10591,7 @@
           <a:p>
             <a:pPr lvl="0"/>
             <a:r>
-              <a:rPr lang="cs-CZ" smtClean="0"/>
+              <a:rPr lang="cs-CZ"/>
               <a:t>Upravte styly předlohy textu.</a:t>
             </a:r>
           </a:p>
@@ -10701,10 +10648,7 @@
           <a:lstStyle/>
           <a:p>
             <a:pPr rtl="0"/>
-            <a:r>
-              <a:rPr lang="cs-CZ" noProof="0"/>
-              <a:t>Přidejte zápatí.</a:t>
-            </a:r>
+            <a:endParaRPr lang="cs-CZ" noProof="0"/>
           </a:p>
         </p:txBody>
       </p:sp>
@@ -10732,10 +10676,6 @@
           </a:lstStyle>
           <a:p>
             <a:pPr rtl="0"/>
-            <a:fld id="{BD0B7830-527B-46DA-B093-ED03207D3C16}" type="datetime1">
-              <a:rPr lang="cs-CZ" noProof="0" smtClean="0"/>
-              <a:t>01.03.2022</a:t>
-            </a:fld>
             <a:endParaRPr lang="cs-CZ" noProof="0"/>
           </a:p>
         </p:txBody>
@@ -12787,7 +12727,7 @@
           <a:p>
             <a:pPr rtl="0"/>
             <a:r>
-              <a:rPr lang="cs-CZ" smtClean="0"/>
+              <a:rPr lang="cs-CZ"/>
               <a:t>Kliknutím lze upravit styl.</a:t>
             </a:r>
             <a:endParaRPr lang="cs-CZ" noProof="0" dirty="0"/>
@@ -12927,7 +12867,7 @@
           <a:p>
             <a:pPr lvl="0"/>
             <a:r>
-              <a:rPr lang="cs-CZ" smtClean="0"/>
+              <a:rPr lang="cs-CZ"/>
               <a:t>Upravte styly předlohy textu.</a:t>
             </a:r>
           </a:p>
@@ -14990,10 +14930,7 @@
           </a:lstStyle>
           <a:p>
             <a:pPr rtl="0"/>
-            <a:r>
-              <a:rPr lang="cs-CZ" noProof="0"/>
-              <a:t>Přidejte zápatí.</a:t>
-            </a:r>
+            <a:endParaRPr lang="cs-CZ" noProof="0"/>
           </a:p>
         </p:txBody>
       </p:sp>
@@ -15032,10 +14969,6 @@
           </a:lstStyle>
           <a:p>
             <a:pPr rtl="0"/>
-            <a:fld id="{D58FBA3C-03E1-43C3-A2BE-354EAA2DE5AD}" type="datetime1">
-              <a:rPr lang="cs-CZ" noProof="0" smtClean="0"/>
-              <a:t>01.03.2022</a:t>
-            </a:fld>
             <a:endParaRPr lang="cs-CZ" noProof="0"/>
           </a:p>
         </p:txBody>
@@ -15074,13 +15007,12 @@
             </a:lvl1pPr>
           </a:lstStyle>
           <a:p>
-            <a:pPr rtl="0"/>
-            <a:fld id="{E31375A4-56A4-47D6-9801-1991572033F7}" type="slidenum">
-              <a:rPr lang="cs-CZ" noProof="0" smtClean="0"/>
-              <a:pPr rtl="0"/>
+            <a:fld id="{BC872C3B-3D3B-413B-BF3A-F0993E9609F4}" type="slidenum">
+              <a:rPr lang="cs-CZ" smtClean="0"/>
+              <a:pPr/>
               <a:t>‹#›</a:t>
             </a:fld>
-            <a:endParaRPr lang="cs-CZ" noProof="0"/>
+            <a:endParaRPr lang="cs-CZ" dirty="0"/>
           </a:p>
         </p:txBody>
       </p:sp>
@@ -15117,7 +15049,7 @@
       </p:transition>
     </mc:Fallback>
   </mc:AlternateContent>
-  <p:hf sldNum="0" hdr="0" ftr="0" dt="0"/>
+  <p:hf hdr="0" ftr="0" dt="0"/>
   <p:txStyles>
     <p:titleStyle>
       <a:lvl1pPr algn="l" defTabSz="914400" rtl="0" eaLnBrk="1" latinLnBrk="0" hangingPunct="1">
@@ -15134,9 +15066,9 @@
               <a:lumMod val="75000"/>
             </a:schemeClr>
           </a:solidFill>
-          <a:latin typeface="+mj-lt"/>
+          <a:latin typeface="Segoe UI Semibold" panose="020B0702040204020203" pitchFamily="34" charset="0"/>
           <a:ea typeface="+mj-ea"/>
-          <a:cs typeface="+mj-cs"/>
+          <a:cs typeface="Segoe UI Semibold" panose="020B0702040204020203" pitchFamily="34" charset="0"/>
         </a:defRPr>
       </a:lvl1pPr>
     </p:titleStyle>
@@ -15160,9 +15092,9 @@
           <a:solidFill>
             <a:schemeClr val="tx1"/>
           </a:solidFill>
-          <a:latin typeface="+mn-lt"/>
+          <a:latin typeface="Segoe UI Semibold" panose="020B0702040204020203" pitchFamily="34" charset="0"/>
           <a:ea typeface="+mn-ea"/>
-          <a:cs typeface="+mn-cs"/>
+          <a:cs typeface="Segoe UI Semibold" panose="020B0702040204020203" pitchFamily="34" charset="0"/>
         </a:defRPr>
       </a:lvl1pPr>
       <a:lvl2pPr marL="457200" indent="-182880" algn="l" defTabSz="914400" rtl="0" eaLnBrk="1" latinLnBrk="0" hangingPunct="1">
@@ -15184,9 +15116,9 @@
           <a:solidFill>
             <a:schemeClr val="tx1"/>
           </a:solidFill>
-          <a:latin typeface="+mn-lt"/>
+          <a:latin typeface="Segoe UI Semibold" panose="020B0702040204020203" pitchFamily="34" charset="0"/>
           <a:ea typeface="+mn-ea"/>
-          <a:cs typeface="+mn-cs"/>
+          <a:cs typeface="Segoe UI Semibold" panose="020B0702040204020203" pitchFamily="34" charset="0"/>
         </a:defRPr>
       </a:lvl2pPr>
       <a:lvl3pPr marL="685800" indent="-179388" algn="l" defTabSz="914400" rtl="0" eaLnBrk="1" latinLnBrk="0" hangingPunct="1">
@@ -15208,9 +15140,9 @@
           <a:solidFill>
             <a:schemeClr val="tx1"/>
           </a:solidFill>
-          <a:latin typeface="+mn-lt"/>
+          <a:latin typeface="Segoe UI Semibold" panose="020B0702040204020203" pitchFamily="34" charset="0"/>
           <a:ea typeface="+mn-ea"/>
-          <a:cs typeface="+mn-cs"/>
+          <a:cs typeface="Segoe UI Semibold" panose="020B0702040204020203" pitchFamily="34" charset="0"/>
         </a:defRPr>
       </a:lvl3pPr>
       <a:lvl4pPr marL="914400" indent="-182880" algn="l" defTabSz="914400" rtl="0" eaLnBrk="1" latinLnBrk="0" hangingPunct="1">
@@ -15232,9 +15164,9 @@
           <a:solidFill>
             <a:schemeClr val="tx1"/>
           </a:solidFill>
-          <a:latin typeface="+mn-lt"/>
+          <a:latin typeface="Segoe UI Semibold" panose="020B0702040204020203" pitchFamily="34" charset="0"/>
           <a:ea typeface="+mn-ea"/>
-          <a:cs typeface="+mn-cs"/>
+          <a:cs typeface="Segoe UI Semibold" panose="020B0702040204020203" pitchFamily="34" charset="0"/>
         </a:defRPr>
       </a:lvl4pPr>
       <a:lvl5pPr marL="1143000" indent="-179388" algn="l" defTabSz="914400" rtl="0" eaLnBrk="1" latinLnBrk="0" hangingPunct="1">
@@ -15256,9 +15188,9 @@
           <a:solidFill>
             <a:schemeClr val="tx1"/>
           </a:solidFill>
-          <a:latin typeface="+mn-lt"/>
+          <a:latin typeface="Segoe UI Semibold" panose="020B0702040204020203" pitchFamily="34" charset="0"/>
           <a:ea typeface="+mn-ea"/>
-          <a:cs typeface="+mn-cs"/>
+          <a:cs typeface="Segoe UI Semibold" panose="020B0702040204020203" pitchFamily="34" charset="0"/>
         </a:defRPr>
       </a:lvl5pPr>
       <a:lvl6pPr marL="1371600" indent="-182880" algn="l" defTabSz="914400" rtl="0" eaLnBrk="1" latinLnBrk="0" hangingPunct="1">
@@ -15454,7 +15386,7 @@
       </a:lvl9pPr>
     </p:otherStyle>
   </p:txStyles>
-  <p:extLst mod="1">
+  <p:extLst>
     <p:ext uri="{27BBF7A9-308A-43DC-89C8-2F10F3537804}">
       <p15:sldGuideLst xmlns:p15="http://schemas.microsoft.com/office/powerpoint/2012/main">
         <p15:guide id="1" orient="horz" pos="2160" userDrawn="1">
@@ -15507,7 +15439,7 @@
           <a:p>
             <a:pPr rtl="0"/>
             <a:r>
-              <a:rPr lang="cs-CZ" dirty="0" err="1" smtClean="0"/>
+              <a:rPr lang="cs-CZ" dirty="0" err="1"/>
               <a:t>MatKap</a:t>
             </a:r>
             <a:endParaRPr lang="cs-CZ" dirty="0"/>
@@ -15531,19 +15463,19 @@
           <a:p>
             <a:pPr rtl="0"/>
             <a:r>
-              <a:rPr lang="cs-CZ" dirty="0" smtClean="0"/>
+              <a:rPr lang="cs-CZ" dirty="0"/>
               <a:t>Jan Jindrák &amp; Jiří </a:t>
             </a:r>
             <a:r>
-              <a:rPr lang="cs-CZ" dirty="0" err="1" smtClean="0"/>
+              <a:rPr lang="cs-CZ" dirty="0" err="1"/>
               <a:t>Fryjauf</a:t>
             </a:r>
             <a:r>
-              <a:rPr lang="cs-CZ" dirty="0" smtClean="0"/>
+              <a:rPr lang="cs-CZ" dirty="0"/>
               <a:t> &amp; Adam </a:t>
             </a:r>
             <a:r>
-              <a:rPr lang="cs-CZ" dirty="0" err="1" smtClean="0"/>
+              <a:rPr lang="cs-CZ" dirty="0" err="1"/>
               <a:t>Lisner</a:t>
             </a:r>
             <a:endParaRPr lang="cs-CZ" dirty="0"/>
@@ -15572,13 +15504,6 @@
       </p:transition>
     </mc:Fallback>
   </mc:AlternateContent>
-  <p:timing>
-    <p:tnLst>
-      <p:par>
-        <p:cTn id="1" dur="indefinite" restart="never" nodeType="tmRoot"/>
-      </p:par>
-    </p:tnLst>
-  </p:timing>
 </p:sld>
 </file>
 
@@ -15615,10 +15540,9 @@
           <a:lstStyle/>
           <a:p>
             <a:r>
-              <a:rPr lang="cs-CZ" dirty="0" smtClean="0"/>
+              <a:rPr lang="cs-CZ" dirty="0"/>
               <a:t>Informace o databázi</a:t>
             </a:r>
-            <a:endParaRPr lang="cs-CZ" dirty="0"/>
           </a:p>
         </p:txBody>
       </p:sp>
@@ -15638,35 +15562,65 @@
           <a:lstStyle/>
           <a:p>
             <a:r>
-              <a:rPr lang="cs-CZ" dirty="0" err="1" smtClean="0"/>
+              <a:rPr lang="cs-CZ" dirty="0" err="1"/>
               <a:t>SQLite</a:t>
             </a:r>
             <a:r>
-              <a:rPr lang="cs-CZ" dirty="0" smtClean="0"/>
+              <a:rPr lang="cs-CZ" dirty="0"/>
               <a:t> databáze</a:t>
             </a:r>
           </a:p>
           <a:p>
             <a:r>
-              <a:rPr lang="cs-CZ" dirty="0" smtClean="0"/>
+              <a:rPr lang="cs-CZ" dirty="0"/>
               <a:t>5 tabulek</a:t>
             </a:r>
           </a:p>
           <a:p>
             <a:pPr lvl="1"/>
             <a:r>
-              <a:rPr lang="cs-CZ" dirty="0" smtClean="0"/>
+              <a:rPr lang="cs-CZ" sz="1600" dirty="0"/>
               <a:t>Tabulka autorů, knih, uměleckých směrů, druhů a žánrů</a:t>
             </a:r>
           </a:p>
           <a:p>
             <a:r>
-              <a:rPr lang="cs-CZ" dirty="0" smtClean="0"/>
+              <a:rPr lang="cs-CZ" dirty="0"/>
               <a:t>Využití relace 1:N</a:t>
             </a:r>
           </a:p>
           <a:p>
             <a:endParaRPr lang="cs-CZ" dirty="0"/>
+          </a:p>
+        </p:txBody>
+      </p:sp>
+      <p:sp>
+        <p:nvSpPr>
+          <p:cNvPr id="4" name="Zástupný symbol pro číslo snímku 3">
+            <a:extLst>
+              <a:ext uri="{FF2B5EF4-FFF2-40B4-BE49-F238E27FC236}">
+                <a16:creationId xmlns:a16="http://schemas.microsoft.com/office/drawing/2014/main" id="{E0A7755C-DBF2-445E-ABA0-2471D7A1D9D6}"/>
+              </a:ext>
+            </a:extLst>
+          </p:cNvPr>
+          <p:cNvSpPr>
+            <a:spLocks noGrp="1"/>
+          </p:cNvSpPr>
+          <p:nvPr>
+            <p:ph type="sldNum" sz="quarter" idx="12"/>
+          </p:nvPr>
+        </p:nvSpPr>
+        <p:spPr/>
+        <p:txBody>
+          <a:bodyPr/>
+          <a:lstStyle/>
+          <a:p>
+            <a:pPr rtl="0"/>
+            <a:fld id="{E31375A4-56A4-47D6-9801-1991572033F7}" type="slidenum">
+              <a:rPr lang="cs-CZ" noProof="0" smtClean="0"/>
+              <a:t>10</a:t>
+            </a:fld>
+            <a:endParaRPr lang="cs-CZ" noProof="0"/>
           </a:p>
         </p:txBody>
       </p:sp>
@@ -15692,13 +15646,6 @@
       </p:transition>
     </mc:Fallback>
   </mc:AlternateContent>
-  <p:timing>
-    <p:tnLst>
-      <p:par>
-        <p:cTn id="1" dur="indefinite" restart="never" nodeType="tmRoot"/>
-      </p:par>
-    </p:tnLst>
-  </p:timing>
 </p:sld>
 </file>
 
@@ -15735,10 +15682,9 @@
           <a:lstStyle/>
           <a:p>
             <a:r>
-              <a:rPr lang="cs-CZ" dirty="0" smtClean="0"/>
+              <a:rPr lang="cs-CZ" dirty="0"/>
               <a:t>Využití databáze</a:t>
             </a:r>
-            <a:endParaRPr lang="cs-CZ" dirty="0"/>
           </a:p>
         </p:txBody>
       </p:sp>
@@ -15758,41 +15704,70 @@
           <a:lstStyle/>
           <a:p>
             <a:r>
-              <a:rPr lang="cs-CZ" dirty="0" smtClean="0"/>
+              <a:rPr lang="cs-CZ" dirty="0"/>
               <a:t>Uložení dat pro aplikaci</a:t>
             </a:r>
           </a:p>
           <a:p>
             <a:r>
-              <a:rPr lang="cs-CZ" dirty="0" smtClean="0"/>
+              <a:rPr lang="cs-CZ" dirty="0"/>
               <a:t>Tvorba kvízu</a:t>
             </a:r>
           </a:p>
           <a:p>
             <a:r>
-              <a:rPr lang="cs-CZ" dirty="0" smtClean="0"/>
+              <a:rPr lang="cs-CZ" dirty="0"/>
               <a:t>Informace pro </a:t>
             </a:r>
             <a:r>
-              <a:rPr lang="cs-CZ" dirty="0" err="1" smtClean="0"/>
+              <a:rPr lang="cs-CZ" dirty="0" err="1"/>
               <a:t>cheatsheet</a:t>
             </a:r>
-            <a:endParaRPr lang="cs-CZ" dirty="0" smtClean="0"/>
+            <a:endParaRPr lang="cs-CZ" dirty="0"/>
           </a:p>
           <a:p>
             <a:r>
-              <a:rPr lang="cs-CZ" dirty="0" smtClean="0"/>
+              <a:rPr lang="cs-CZ" dirty="0"/>
               <a:t>Práce s databází pomocí třídy </a:t>
             </a:r>
             <a:r>
-              <a:rPr lang="cs-CZ" dirty="0" err="1" smtClean="0"/>
+              <a:rPr lang="cs-CZ" dirty="0" err="1"/>
               <a:t>Sql</a:t>
             </a:r>
             <a:r>
-              <a:rPr lang="cs-CZ" dirty="0" smtClean="0"/>
+              <a:rPr lang="cs-CZ" dirty="0"/>
               <a:t> </a:t>
             </a:r>
-            <a:endParaRPr lang="cs-CZ" dirty="0"/>
+          </a:p>
+        </p:txBody>
+      </p:sp>
+      <p:sp>
+        <p:nvSpPr>
+          <p:cNvPr id="4" name="Zástupný symbol pro číslo snímku 3">
+            <a:extLst>
+              <a:ext uri="{FF2B5EF4-FFF2-40B4-BE49-F238E27FC236}">
+                <a16:creationId xmlns:a16="http://schemas.microsoft.com/office/drawing/2014/main" id="{93069C1C-A70D-455D-A00C-5950BF412BF3}"/>
+              </a:ext>
+            </a:extLst>
+          </p:cNvPr>
+          <p:cNvSpPr>
+            <a:spLocks noGrp="1"/>
+          </p:cNvSpPr>
+          <p:nvPr>
+            <p:ph type="sldNum" sz="quarter" idx="12"/>
+          </p:nvPr>
+        </p:nvSpPr>
+        <p:spPr/>
+        <p:txBody>
+          <a:bodyPr/>
+          <a:lstStyle/>
+          <a:p>
+            <a:pPr rtl="0"/>
+            <a:fld id="{E31375A4-56A4-47D6-9801-1991572033F7}" type="slidenum">
+              <a:rPr lang="cs-CZ" noProof="0" smtClean="0"/>
+              <a:t>11</a:t>
+            </a:fld>
+            <a:endParaRPr lang="cs-CZ" noProof="0"/>
           </a:p>
         </p:txBody>
       </p:sp>
@@ -15818,13 +15793,6 @@
       </p:transition>
     </mc:Fallback>
   </mc:AlternateContent>
-  <p:timing>
-    <p:tnLst>
-      <p:par>
-        <p:cTn id="1" dur="indefinite" restart="never" nodeType="tmRoot"/>
-      </p:par>
-    </p:tnLst>
-  </p:timing>
 </p:sld>
 </file>
 
@@ -15861,7 +15829,7 @@
           <a:lstStyle/>
           <a:p>
             <a:r>
-              <a:rPr lang="cs-CZ" dirty="0" err="1" smtClean="0"/>
+              <a:rPr lang="cs-CZ" dirty="0" err="1"/>
               <a:t>Backend</a:t>
             </a:r>
             <a:endParaRPr lang="cs-CZ" dirty="0"/>
@@ -15909,13 +15877,6 @@
       </p:transition>
     </mc:Fallback>
   </mc:AlternateContent>
-  <p:timing>
-    <p:tnLst>
-      <p:par>
-        <p:cTn id="1" dur="indefinite" restart="never" nodeType="tmRoot"/>
-      </p:par>
-    </p:tnLst>
-  </p:timing>
 </p:sld>
 </file>
 
@@ -15952,10 +15913,9 @@
           <a:lstStyle/>
           <a:p>
             <a:r>
-              <a:rPr lang="cs-CZ" dirty="0" smtClean="0"/>
+              <a:rPr lang="cs-CZ" dirty="0"/>
               <a:t>Příprava kvízu</a:t>
             </a:r>
-            <a:endParaRPr lang="cs-CZ" dirty="0"/>
           </a:p>
         </p:txBody>
       </p:sp>
@@ -15971,43 +15931,74 @@
         </p:nvSpPr>
         <p:spPr/>
         <p:txBody>
-          <a:bodyPr/>
+          <a:bodyPr>
+            <a:normAutofit/>
+          </a:bodyPr>
           <a:lstStyle/>
           <a:p>
             <a:r>
-              <a:rPr lang="cs-CZ" dirty="0" err="1" smtClean="0"/>
+              <a:rPr lang="cs-CZ" dirty="0" err="1"/>
               <a:t>Cursor</a:t>
             </a:r>
-            <a:endParaRPr lang="cs-CZ" dirty="0" smtClean="0"/>
+            <a:endParaRPr lang="cs-CZ" dirty="0"/>
           </a:p>
           <a:p>
             <a:r>
-              <a:rPr lang="cs-CZ" dirty="0" err="1" smtClean="0"/>
+              <a:rPr lang="cs-CZ" dirty="0" err="1"/>
               <a:t>QuestionType</a:t>
             </a:r>
-            <a:endParaRPr lang="cs-CZ" dirty="0" smtClean="0"/>
+            <a:endParaRPr lang="cs-CZ" dirty="0"/>
           </a:p>
           <a:p>
             <a:r>
-              <a:rPr lang="cs-CZ" dirty="0" err="1" smtClean="0"/>
+              <a:rPr lang="cs-CZ" dirty="0" err="1"/>
               <a:t>Question</a:t>
             </a:r>
-            <a:endParaRPr lang="cs-CZ" dirty="0" smtClean="0"/>
+            <a:endParaRPr lang="cs-CZ" dirty="0"/>
           </a:p>
           <a:p>
             <a:r>
-              <a:rPr lang="cs-CZ" dirty="0" smtClean="0"/>
+              <a:rPr lang="cs-CZ" dirty="0"/>
               <a:t>Metoda </a:t>
             </a:r>
             <a:r>
-              <a:rPr lang="cs-CZ" dirty="0" err="1" smtClean="0"/>
+              <a:rPr lang="cs-CZ" dirty="0" err="1"/>
               <a:t>createQuestion</a:t>
             </a:r>
             <a:r>
-              <a:rPr lang="cs-CZ" dirty="0" smtClean="0"/>
+              <a:rPr lang="cs-CZ" dirty="0"/>
               <a:t>()</a:t>
             </a:r>
-            <a:endParaRPr lang="cs-CZ" dirty="0"/>
+          </a:p>
+        </p:txBody>
+      </p:sp>
+      <p:sp>
+        <p:nvSpPr>
+          <p:cNvPr id="4" name="Zástupný symbol pro číslo snímku 3">
+            <a:extLst>
+              <a:ext uri="{FF2B5EF4-FFF2-40B4-BE49-F238E27FC236}">
+                <a16:creationId xmlns:a16="http://schemas.microsoft.com/office/drawing/2014/main" id="{14DB8FFD-D042-4CC9-881C-EE8C88F30B7B}"/>
+              </a:ext>
+            </a:extLst>
+          </p:cNvPr>
+          <p:cNvSpPr>
+            <a:spLocks noGrp="1"/>
+          </p:cNvSpPr>
+          <p:nvPr>
+            <p:ph type="sldNum" sz="quarter" idx="12"/>
+          </p:nvPr>
+        </p:nvSpPr>
+        <p:spPr/>
+        <p:txBody>
+          <a:bodyPr/>
+          <a:lstStyle/>
+          <a:p>
+            <a:pPr rtl="0"/>
+            <a:fld id="{E31375A4-56A4-47D6-9801-1991572033F7}" type="slidenum">
+              <a:rPr lang="cs-CZ" noProof="0" smtClean="0"/>
+              <a:t>13</a:t>
+            </a:fld>
+            <a:endParaRPr lang="cs-CZ" noProof="0"/>
           </a:p>
         </p:txBody>
       </p:sp>
@@ -16033,13 +16024,6 @@
       </p:transition>
     </mc:Fallback>
   </mc:AlternateContent>
-  <p:timing>
-    <p:tnLst>
-      <p:par>
-        <p:cTn id="1" dur="indefinite" restart="never" nodeType="tmRoot"/>
-      </p:par>
-    </p:tnLst>
-  </p:timing>
 </p:sld>
 </file>
 
@@ -16076,11 +16060,11 @@
           <a:lstStyle/>
           <a:p>
             <a:r>
-              <a:rPr lang="cs-CZ" dirty="0" smtClean="0"/>
+              <a:rPr lang="cs-CZ" dirty="0"/>
               <a:t>Třída </a:t>
             </a:r>
             <a:r>
-              <a:rPr lang="cs-CZ" dirty="0" err="1" smtClean="0"/>
+              <a:rPr lang="cs-CZ" dirty="0" err="1"/>
               <a:t>Firestore</a:t>
             </a:r>
             <a:endParaRPr lang="cs-CZ" dirty="0"/>
@@ -16099,38 +16083,70 @@
         </p:nvSpPr>
         <p:spPr/>
         <p:txBody>
-          <a:bodyPr/>
+          <a:bodyPr>
+            <a:normAutofit/>
+          </a:bodyPr>
           <a:lstStyle/>
           <a:p>
             <a:r>
-              <a:rPr lang="cs-CZ" dirty="0" err="1" smtClean="0"/>
+              <a:rPr lang="cs-CZ" dirty="0" err="1"/>
               <a:t>QuestType</a:t>
             </a:r>
-            <a:endParaRPr lang="cs-CZ" dirty="0" smtClean="0"/>
+            <a:endParaRPr lang="cs-CZ" dirty="0"/>
           </a:p>
           <a:p>
             <a:r>
-              <a:rPr lang="cs-CZ" dirty="0" err="1" smtClean="0"/>
+              <a:rPr lang="cs-CZ" dirty="0" err="1"/>
               <a:t>Quest</a:t>
             </a:r>
-            <a:endParaRPr lang="cs-CZ" dirty="0" smtClean="0"/>
+            <a:endParaRPr lang="cs-CZ" dirty="0"/>
           </a:p>
           <a:p>
             <a:r>
-              <a:rPr lang="cs-CZ" dirty="0" smtClean="0"/>
+              <a:rPr lang="cs-CZ" dirty="0"/>
               <a:t>User</a:t>
             </a:r>
           </a:p>
           <a:p>
             <a:r>
-              <a:rPr lang="cs-CZ" dirty="0" smtClean="0"/>
+              <a:rPr lang="cs-CZ" dirty="0"/>
               <a:t>Práce s nástrojem </a:t>
             </a:r>
             <a:r>
-              <a:rPr lang="cs-CZ" dirty="0" err="1" smtClean="0"/>
+              <a:rPr lang="cs-CZ" dirty="0" err="1"/>
               <a:t>Firestore</a:t>
             </a:r>
             <a:endParaRPr lang="cs-CZ" dirty="0"/>
+          </a:p>
+        </p:txBody>
+      </p:sp>
+      <p:sp>
+        <p:nvSpPr>
+          <p:cNvPr id="4" name="Zástupný symbol pro číslo snímku 3">
+            <a:extLst>
+              <a:ext uri="{FF2B5EF4-FFF2-40B4-BE49-F238E27FC236}">
+                <a16:creationId xmlns:a16="http://schemas.microsoft.com/office/drawing/2014/main" id="{EE00867C-6D81-4A50-8A2D-3343715D2582}"/>
+              </a:ext>
+            </a:extLst>
+          </p:cNvPr>
+          <p:cNvSpPr>
+            <a:spLocks noGrp="1"/>
+          </p:cNvSpPr>
+          <p:nvPr>
+            <p:ph type="sldNum" sz="quarter" idx="12"/>
+          </p:nvPr>
+        </p:nvSpPr>
+        <p:spPr/>
+        <p:txBody>
+          <a:bodyPr/>
+          <a:lstStyle/>
+          <a:p>
+            <a:pPr rtl="0"/>
+            <a:fld id="{E31375A4-56A4-47D6-9801-1991572033F7}" type="slidenum">
+              <a:rPr lang="cs-CZ" noProof="0" smtClean="0"/>
+              <a:t>14</a:t>
+            </a:fld>
+            <a:endParaRPr lang="cs-CZ" noProof="0"/>
           </a:p>
         </p:txBody>
       </p:sp>
@@ -16156,13 +16172,6 @@
       </p:transition>
     </mc:Fallback>
   </mc:AlternateContent>
-  <p:timing>
-    <p:tnLst>
-      <p:par>
-        <p:cTn id="1" dur="indefinite" restart="never" nodeType="tmRoot"/>
-      </p:par>
-    </p:tnLst>
-  </p:timing>
 </p:sld>
 </file>
 
@@ -16199,15 +16208,15 @@
           <a:lstStyle/>
           <a:p>
             <a:r>
-              <a:rPr lang="cs-CZ" dirty="0" err="1" smtClean="0"/>
+              <a:rPr lang="cs-CZ" dirty="0" err="1"/>
               <a:t>Storage</a:t>
             </a:r>
             <a:r>
-              <a:rPr lang="cs-CZ" dirty="0" smtClean="0"/>
+              <a:rPr lang="cs-CZ" dirty="0"/>
               <a:t> a </a:t>
             </a:r>
             <a:r>
-              <a:rPr lang="cs-CZ" dirty="0" err="1" smtClean="0"/>
+              <a:rPr lang="cs-CZ" dirty="0" err="1"/>
               <a:t>Utils</a:t>
             </a:r>
             <a:endParaRPr lang="cs-CZ" dirty="0"/>
@@ -16226,26 +16235,57 @@
         </p:nvSpPr>
         <p:spPr/>
         <p:txBody>
+          <a:bodyPr>
+            <a:normAutofit/>
+          </a:bodyPr>
+          <a:lstStyle/>
+          <a:p>
+            <a:r>
+              <a:rPr lang="cs-CZ" dirty="0"/>
+              <a:t>Stahování profilových obrázků</a:t>
+            </a:r>
+          </a:p>
+          <a:p>
+            <a:r>
+              <a:rPr lang="cs-CZ" dirty="0"/>
+              <a:t>Získání denních úkolů</a:t>
+            </a:r>
+          </a:p>
+          <a:p>
+            <a:r>
+              <a:rPr lang="cs-CZ" dirty="0"/>
+              <a:t>Řazení podle české abecedy</a:t>
+            </a:r>
+          </a:p>
+        </p:txBody>
+      </p:sp>
+      <p:sp>
+        <p:nvSpPr>
+          <p:cNvPr id="4" name="Zástupný symbol pro číslo snímku 3">
+            <a:extLst>
+              <a:ext uri="{FF2B5EF4-FFF2-40B4-BE49-F238E27FC236}">
+                <a16:creationId xmlns:a16="http://schemas.microsoft.com/office/drawing/2014/main" id="{C648064E-8BA3-419C-AD54-88F82F3E2271}"/>
+              </a:ext>
+            </a:extLst>
+          </p:cNvPr>
+          <p:cNvSpPr>
+            <a:spLocks noGrp="1"/>
+          </p:cNvSpPr>
+          <p:nvPr>
+            <p:ph type="sldNum" sz="quarter" idx="12"/>
+          </p:nvPr>
+        </p:nvSpPr>
+        <p:spPr/>
+        <p:txBody>
           <a:bodyPr/>
           <a:lstStyle/>
           <a:p>
-            <a:r>
-              <a:rPr lang="cs-CZ" dirty="0" smtClean="0"/>
-              <a:t>Stahování profilových obrázků</a:t>
-            </a:r>
-          </a:p>
-          <a:p>
-            <a:r>
-              <a:rPr lang="cs-CZ" dirty="0" smtClean="0"/>
-              <a:t>Získání denních úkolů</a:t>
-            </a:r>
-          </a:p>
-          <a:p>
-            <a:r>
-              <a:rPr lang="cs-CZ" dirty="0" smtClean="0"/>
-              <a:t>Řazení podle české abecedy</a:t>
-            </a:r>
-            <a:endParaRPr lang="cs-CZ" dirty="0"/>
+            <a:pPr rtl="0"/>
+            <a:fld id="{E31375A4-56A4-47D6-9801-1991572033F7}" type="slidenum">
+              <a:rPr lang="cs-CZ" noProof="0" smtClean="0"/>
+              <a:t>15</a:t>
+            </a:fld>
+            <a:endParaRPr lang="cs-CZ" noProof="0"/>
           </a:p>
         </p:txBody>
       </p:sp>
@@ -16271,13 +16311,6 @@
       </p:transition>
     </mc:Fallback>
   </mc:AlternateContent>
-  <p:timing>
-    <p:tnLst>
-      <p:par>
-        <p:cTn id="1" dur="indefinite" restart="never" nodeType="tmRoot"/>
-      </p:par>
-    </p:tnLst>
-  </p:timing>
 </p:sld>
 </file>
 
@@ -16314,7 +16347,7 @@
           <a:lstStyle/>
           <a:p>
             <a:r>
-              <a:rPr lang="en-US" dirty="0" smtClean="0"/>
+              <a:rPr lang="en-US" dirty="0"/>
               <a:t>Firebase</a:t>
             </a:r>
             <a:endParaRPr lang="cs-CZ" dirty="0"/>
@@ -16337,49 +16370,82 @@
           <a:lstStyle/>
           <a:p>
             <a:r>
-              <a:rPr lang="cs-CZ" dirty="0" err="1" smtClean="0"/>
+              <a:rPr lang="cs-CZ" dirty="0" err="1"/>
               <a:t>Login</a:t>
             </a:r>
             <a:r>
-              <a:rPr lang="en-US" dirty="0" smtClean="0"/>
+              <a:rPr lang="en-US" dirty="0"/>
               <a:t> </a:t>
             </a:r>
             <a:r>
-              <a:rPr lang="cs-CZ" dirty="0" smtClean="0"/>
+              <a:rPr lang="cs-CZ" dirty="0"/>
               <a:t>pomocí Google</a:t>
             </a:r>
           </a:p>
           <a:p>
             <a:r>
-              <a:rPr lang="cs-CZ" dirty="0" smtClean="0"/>
+              <a:rPr lang="cs-CZ" dirty="0"/>
               <a:t>Správa účtů</a:t>
             </a:r>
           </a:p>
           <a:p>
             <a:r>
-              <a:rPr lang="cs-CZ" dirty="0" err="1" smtClean="0"/>
+              <a:rPr lang="cs-CZ" dirty="0" err="1"/>
               <a:t>Firestore</a:t>
             </a:r>
             <a:r>
-              <a:rPr lang="cs-CZ" dirty="0" smtClean="0"/>
+              <a:rPr lang="cs-CZ" dirty="0"/>
               <a:t> databáze</a:t>
             </a:r>
           </a:p>
           <a:p>
             <a:pPr lvl="1"/>
             <a:r>
-              <a:rPr lang="cs-CZ" dirty="0" smtClean="0"/>
-              <a:t>statistiky uživatelů (XP, </a:t>
+              <a:rPr lang="cs-CZ" sz="1600" dirty="0"/>
+              <a:t>statistiky</a:t>
             </a:r>
             <a:r>
-              <a:rPr lang="cs-CZ" dirty="0" err="1" smtClean="0"/>
+              <a:rPr lang="cs-CZ" dirty="0"/>
+              <a:t> uživatelů (XP, </a:t>
+            </a:r>
+            <a:r>
+              <a:rPr lang="cs-CZ" dirty="0" err="1"/>
               <a:t>level</a:t>
             </a:r>
             <a:r>
-              <a:rPr lang="cs-CZ" dirty="0" smtClean="0"/>
+              <a:rPr lang="cs-CZ" dirty="0"/>
               <a:t>, denní úkoly, …)</a:t>
             </a:r>
-            <a:endParaRPr lang="cs-CZ" dirty="0"/>
+          </a:p>
+        </p:txBody>
+      </p:sp>
+      <p:sp>
+        <p:nvSpPr>
+          <p:cNvPr id="4" name="Zástupný symbol pro číslo snímku 3">
+            <a:extLst>
+              <a:ext uri="{FF2B5EF4-FFF2-40B4-BE49-F238E27FC236}">
+                <a16:creationId xmlns:a16="http://schemas.microsoft.com/office/drawing/2014/main" id="{E8606D8F-5A94-45A0-B92D-65D4CC071D5E}"/>
+              </a:ext>
+            </a:extLst>
+          </p:cNvPr>
+          <p:cNvSpPr>
+            <a:spLocks noGrp="1"/>
+          </p:cNvSpPr>
+          <p:nvPr>
+            <p:ph type="sldNum" sz="quarter" idx="12"/>
+          </p:nvPr>
+        </p:nvSpPr>
+        <p:spPr/>
+        <p:txBody>
+          <a:bodyPr/>
+          <a:lstStyle/>
+          <a:p>
+            <a:pPr rtl="0"/>
+            <a:fld id="{E31375A4-56A4-47D6-9801-1991572033F7}" type="slidenum">
+              <a:rPr lang="cs-CZ" noProof="0" smtClean="0"/>
+              <a:t>16</a:t>
+            </a:fld>
+            <a:endParaRPr lang="cs-CZ" noProof="0"/>
           </a:p>
         </p:txBody>
       </p:sp>
@@ -16405,13 +16471,6 @@
       </p:transition>
     </mc:Fallback>
   </mc:AlternateContent>
-  <p:timing>
-    <p:tnLst>
-      <p:par>
-        <p:cTn id="1" dur="indefinite" restart="never" nodeType="tmRoot"/>
-      </p:par>
-    </p:tnLst>
-  </p:timing>
 </p:sld>
 </file>
 
@@ -16448,10 +16507,9 @@
           <a:lstStyle/>
           <a:p>
             <a:r>
-              <a:rPr lang="cs-CZ" dirty="0" smtClean="0"/>
+              <a:rPr lang="cs-CZ" dirty="0"/>
               <a:t>Ukázka</a:t>
             </a:r>
-            <a:endParaRPr lang="cs-CZ" dirty="0"/>
           </a:p>
         </p:txBody>
       </p:sp>
@@ -16496,13 +16554,6 @@
       </p:transition>
     </mc:Fallback>
   </mc:AlternateContent>
-  <p:timing>
-    <p:tnLst>
-      <p:par>
-        <p:cTn id="1" dur="indefinite" restart="never" nodeType="tmRoot"/>
-      </p:par>
-    </p:tnLst>
-  </p:timing>
 </p:sld>
 </file>
 
@@ -16539,10 +16590,9 @@
           <a:lstStyle/>
           <a:p>
             <a:r>
-              <a:rPr lang="cs-CZ" dirty="0" smtClean="0"/>
+              <a:rPr lang="cs-CZ" dirty="0"/>
               <a:t>Závěr</a:t>
             </a:r>
-            <a:endParaRPr lang="cs-CZ" dirty="0"/>
           </a:p>
         </p:txBody>
       </p:sp>
@@ -16562,26 +16612,51 @@
           <a:lstStyle/>
           <a:p>
             <a:r>
-              <a:rPr lang="cs-CZ" dirty="0" smtClean="0"/>
+              <a:rPr lang="cs-CZ" dirty="0"/>
               <a:t>Naplnění cíle projektu?</a:t>
             </a:r>
           </a:p>
           <a:p>
             <a:r>
-              <a:rPr lang="cs-CZ" dirty="0" smtClean="0"/>
+              <a:rPr lang="cs-CZ" dirty="0"/>
               <a:t>Co nám projekt dal?</a:t>
             </a:r>
           </a:p>
           <a:p>
             <a:r>
               <a:rPr lang="cs-CZ" dirty="0"/>
-              <a:t>Výhled do </a:t>
+              <a:t>Výhled do budoucna</a:t>
             </a:r>
-            <a:r>
-              <a:rPr lang="cs-CZ" dirty="0" smtClean="0"/>
-              <a:t>budoucna</a:t>
-            </a:r>
-            <a:endParaRPr lang="cs-CZ" dirty="0"/>
+          </a:p>
+        </p:txBody>
+      </p:sp>
+      <p:sp>
+        <p:nvSpPr>
+          <p:cNvPr id="4" name="Zástupný symbol pro číslo snímku 3">
+            <a:extLst>
+              <a:ext uri="{FF2B5EF4-FFF2-40B4-BE49-F238E27FC236}">
+                <a16:creationId xmlns:a16="http://schemas.microsoft.com/office/drawing/2014/main" id="{AB88EAE2-415F-4DBB-9078-822847702B40}"/>
+              </a:ext>
+            </a:extLst>
+          </p:cNvPr>
+          <p:cNvSpPr>
+            <a:spLocks noGrp="1"/>
+          </p:cNvSpPr>
+          <p:nvPr>
+            <p:ph type="sldNum" sz="quarter" idx="12"/>
+          </p:nvPr>
+        </p:nvSpPr>
+        <p:spPr/>
+        <p:txBody>
+          <a:bodyPr/>
+          <a:lstStyle/>
+          <a:p>
+            <a:pPr rtl="0"/>
+            <a:fld id="{E31375A4-56A4-47D6-9801-1991572033F7}" type="slidenum">
+              <a:rPr lang="cs-CZ" noProof="0" smtClean="0"/>
+              <a:t>18</a:t>
+            </a:fld>
+            <a:endParaRPr lang="cs-CZ" noProof="0"/>
           </a:p>
         </p:txBody>
       </p:sp>
@@ -16607,13 +16682,6 @@
       </p:transition>
     </mc:Fallback>
   </mc:AlternateContent>
-  <p:timing>
-    <p:tnLst>
-      <p:par>
-        <p:cTn id="1" dur="indefinite" restart="never" nodeType="tmRoot"/>
-      </p:par>
-    </p:tnLst>
-  </p:timing>
 </p:sld>
 </file>
 
@@ -16650,10 +16718,9 @@
           <a:lstStyle/>
           <a:p>
             <a:r>
-              <a:rPr lang="cs-CZ" dirty="0" smtClean="0"/>
+              <a:rPr lang="cs-CZ" dirty="0"/>
               <a:t>Děkujeme za pozornost!</a:t>
             </a:r>
-            <a:endParaRPr lang="cs-CZ" dirty="0"/>
           </a:p>
         </p:txBody>
       </p:sp>
@@ -16698,13 +16765,6 @@
       </p:transition>
     </mc:Fallback>
   </mc:AlternateContent>
-  <p:timing>
-    <p:tnLst>
-      <p:par>
-        <p:cTn id="1" dur="indefinite" restart="never" nodeType="tmRoot"/>
-      </p:par>
-    </p:tnLst>
-  </p:timing>
 </p:sld>
 </file>
 
@@ -16742,10 +16802,9 @@
           <a:p>
             <a:pPr rtl="0"/>
             <a:r>
-              <a:rPr lang="cs-CZ" dirty="0" smtClean="0"/>
+              <a:rPr lang="cs-CZ" dirty="0"/>
               <a:t>Obsah</a:t>
             </a:r>
-            <a:endParaRPr lang="cs-CZ" dirty="0"/>
           </a:p>
         </p:txBody>
       </p:sp>
@@ -16768,61 +16827,87 @@
           <a:p>
             <a:pPr rtl="0"/>
             <a:r>
-              <a:rPr lang="cs-CZ" dirty="0" smtClean="0"/>
+              <a:rPr lang="cs-CZ" dirty="0"/>
               <a:t>Úvod, seznámení s projektem</a:t>
             </a:r>
-            <a:endParaRPr lang="cs-CZ" dirty="0"/>
           </a:p>
           <a:p>
             <a:pPr rtl="0"/>
             <a:r>
-              <a:rPr lang="cs-CZ" dirty="0" smtClean="0"/>
+              <a:rPr lang="cs-CZ" dirty="0"/>
               <a:t>Použité technologie</a:t>
             </a:r>
-            <a:endParaRPr lang="cs-CZ" dirty="0"/>
           </a:p>
           <a:p>
             <a:pPr rtl="0"/>
             <a:r>
-              <a:rPr lang="cs-CZ" dirty="0" err="1" smtClean="0"/>
+              <a:rPr lang="cs-CZ" dirty="0" err="1"/>
               <a:t>Frontend</a:t>
             </a:r>
-            <a:endParaRPr lang="cs-CZ" dirty="0" smtClean="0"/>
+            <a:endParaRPr lang="cs-CZ" dirty="0"/>
           </a:p>
           <a:p>
             <a:pPr rtl="0"/>
             <a:r>
-              <a:rPr lang="cs-CZ" dirty="0" smtClean="0"/>
+              <a:rPr lang="cs-CZ" dirty="0"/>
               <a:t>Databáze</a:t>
             </a:r>
           </a:p>
           <a:p>
             <a:pPr rtl="0"/>
             <a:r>
-              <a:rPr lang="cs-CZ" dirty="0" err="1" smtClean="0"/>
+              <a:rPr lang="cs-CZ" dirty="0" err="1"/>
               <a:t>Backend</a:t>
             </a:r>
-            <a:endParaRPr lang="cs-CZ" dirty="0" smtClean="0"/>
+            <a:endParaRPr lang="cs-CZ" dirty="0"/>
           </a:p>
           <a:p>
             <a:pPr rtl="0"/>
             <a:r>
-              <a:rPr lang="cs-CZ" dirty="0" smtClean="0"/>
+              <a:rPr lang="cs-CZ" dirty="0"/>
               <a:t>Ukázka programu</a:t>
             </a:r>
-            <a:endParaRPr lang="cs-CZ" dirty="0"/>
           </a:p>
           <a:p>
             <a:pPr rtl="0"/>
             <a:r>
-              <a:rPr lang="cs-CZ" dirty="0" smtClean="0"/>
+              <a:rPr lang="cs-CZ" dirty="0"/>
               <a:t>Závěr</a:t>
             </a:r>
-            <a:endParaRPr lang="cs-CZ" dirty="0"/>
           </a:p>
           <a:p>
             <a:pPr rtl="0"/>
             <a:endParaRPr lang="cs-CZ" dirty="0"/>
+          </a:p>
+        </p:txBody>
+      </p:sp>
+      <p:sp>
+        <p:nvSpPr>
+          <p:cNvPr id="4" name="Zástupný symbol pro číslo snímku 3">
+            <a:extLst>
+              <a:ext uri="{FF2B5EF4-FFF2-40B4-BE49-F238E27FC236}">
+                <a16:creationId xmlns:a16="http://schemas.microsoft.com/office/drawing/2014/main" id="{26F2CD7B-010E-403A-8706-740434369FAF}"/>
+              </a:ext>
+            </a:extLst>
+          </p:cNvPr>
+          <p:cNvSpPr>
+            <a:spLocks noGrp="1"/>
+          </p:cNvSpPr>
+          <p:nvPr>
+            <p:ph type="sldNum" sz="quarter" idx="12"/>
+          </p:nvPr>
+        </p:nvSpPr>
+        <p:spPr/>
+        <p:txBody>
+          <a:bodyPr/>
+          <a:lstStyle/>
+          <a:p>
+            <a:pPr rtl="0"/>
+            <a:fld id="{E31375A4-56A4-47D6-9801-1991572033F7}" type="slidenum">
+              <a:rPr lang="cs-CZ" noProof="0" smtClean="0"/>
+              <a:t>2</a:t>
+            </a:fld>
+            <a:endParaRPr lang="cs-CZ" noProof="0"/>
           </a:p>
         </p:txBody>
       </p:sp>
@@ -16848,13 +16933,6 @@
       </p:transition>
     </mc:Fallback>
   </mc:AlternateContent>
-  <p:timing>
-    <p:tnLst>
-      <p:par>
-        <p:cTn id="1" dur="indefinite" restart="never" nodeType="tmRoot"/>
-      </p:par>
-    </p:tnLst>
-  </p:timing>
 </p:sld>
 </file>
 
@@ -16892,10 +16970,9 @@
           <a:p>
             <a:pPr rtl="0"/>
             <a:r>
-              <a:rPr lang="cs-CZ" dirty="0" smtClean="0"/>
+              <a:rPr lang="cs-CZ" dirty="0"/>
               <a:t>Úvod</a:t>
             </a:r>
-            <a:endParaRPr lang="cs-CZ" dirty="0"/>
           </a:p>
         </p:txBody>
       </p:sp>
@@ -16915,35 +16992,60 @@
           <a:lstStyle/>
           <a:p>
             <a:r>
-              <a:rPr lang="cs-CZ" dirty="0" smtClean="0"/>
+              <a:rPr lang="cs-CZ" dirty="0"/>
               <a:t>Zadání projektu</a:t>
             </a:r>
           </a:p>
           <a:p>
             <a:r>
-              <a:rPr lang="cs-CZ" dirty="0" smtClean="0"/>
+              <a:rPr lang="cs-CZ" dirty="0"/>
               <a:t>Proč jsme si tohle téma vybrali?</a:t>
             </a:r>
           </a:p>
           <a:p>
             <a:r>
-              <a:rPr lang="cs-CZ" dirty="0" smtClean="0"/>
+              <a:rPr lang="cs-CZ" dirty="0"/>
               <a:t>Seznámení s aplikací</a:t>
             </a:r>
           </a:p>
           <a:p>
             <a:r>
               <a:rPr lang="cs-CZ" dirty="0"/>
-              <a:t>Rozložení </a:t>
+              <a:t>Rozložení práce</a:t>
             </a:r>
-            <a:r>
-              <a:rPr lang="cs-CZ" dirty="0" smtClean="0"/>
-              <a:t>práce</a:t>
-            </a:r>
+          </a:p>
+          <a:p>
             <a:endParaRPr lang="cs-CZ" dirty="0"/>
           </a:p>
-          <a:p>
-            <a:endParaRPr lang="cs-CZ" dirty="0"/>
+        </p:txBody>
+      </p:sp>
+      <p:sp>
+        <p:nvSpPr>
+          <p:cNvPr id="4" name="Zástupný symbol pro číslo snímku 3">
+            <a:extLst>
+              <a:ext uri="{FF2B5EF4-FFF2-40B4-BE49-F238E27FC236}">
+                <a16:creationId xmlns:a16="http://schemas.microsoft.com/office/drawing/2014/main" id="{6B14801E-3F89-4144-9F94-33D80DEEC9AD}"/>
+              </a:ext>
+            </a:extLst>
+          </p:cNvPr>
+          <p:cNvSpPr>
+            <a:spLocks noGrp="1"/>
+          </p:cNvSpPr>
+          <p:nvPr>
+            <p:ph type="sldNum" sz="quarter" idx="12"/>
+          </p:nvPr>
+        </p:nvSpPr>
+        <p:spPr/>
+        <p:txBody>
+          <a:bodyPr/>
+          <a:lstStyle/>
+          <a:p>
+            <a:pPr rtl="0"/>
+            <a:fld id="{E31375A4-56A4-47D6-9801-1991572033F7}" type="slidenum">
+              <a:rPr lang="cs-CZ" noProof="0" smtClean="0"/>
+              <a:t>3</a:t>
+            </a:fld>
+            <a:endParaRPr lang="cs-CZ" noProof="0"/>
           </a:p>
         </p:txBody>
       </p:sp>
@@ -16969,13 +17071,6 @@
       </p:transition>
     </mc:Fallback>
   </mc:AlternateContent>
-  <p:timing>
-    <p:tnLst>
-      <p:par>
-        <p:cTn id="1" dur="indefinite" restart="never" nodeType="tmRoot"/>
-      </p:par>
-    </p:tnLst>
-  </p:timing>
 </p:sld>
 </file>
 
@@ -17013,10 +17108,9 @@
           <a:p>
             <a:pPr rtl="0"/>
             <a:r>
-              <a:rPr lang="cs-CZ" dirty="0" smtClean="0"/>
+              <a:rPr lang="cs-CZ" dirty="0"/>
               <a:t>Použité technologie</a:t>
             </a:r>
-            <a:endParaRPr lang="cs-CZ" dirty="0"/>
           </a:p>
         </p:txBody>
       </p:sp>
@@ -17038,100 +17132,130 @@
         </p:spPr>
         <p:txBody>
           <a:bodyPr rtlCol="0">
-            <a:normAutofit fontScale="92500" lnSpcReduction="20000"/>
+            <a:normAutofit fontScale="55000" lnSpcReduction="20000"/>
           </a:bodyPr>
           <a:lstStyle/>
           <a:p>
             <a:pPr rtl="0"/>
             <a:r>
-              <a:rPr lang="cs-CZ" dirty="0" smtClean="0"/>
+              <a:rPr lang="cs-CZ" sz="3600" dirty="0"/>
               <a:t>Java 8</a:t>
             </a:r>
           </a:p>
           <a:p>
             <a:pPr rtl="0"/>
             <a:r>
-              <a:rPr lang="cs-CZ" dirty="0" smtClean="0"/>
+              <a:rPr lang="cs-CZ" sz="3600" dirty="0"/>
               <a:t>Android Studio (</a:t>
             </a:r>
             <a:r>
-              <a:rPr lang="cs-CZ" dirty="0" err="1" smtClean="0"/>
+              <a:rPr lang="cs-CZ" sz="3600" dirty="0" err="1"/>
               <a:t>Artic</a:t>
             </a:r>
             <a:r>
-              <a:rPr lang="cs-CZ" dirty="0" smtClean="0"/>
+              <a:rPr lang="cs-CZ" sz="3600" dirty="0"/>
               <a:t> Fox / 2020.3.1)</a:t>
             </a:r>
           </a:p>
           <a:p>
             <a:pPr rtl="0"/>
             <a:r>
-              <a:rPr lang="cs-CZ" dirty="0" err="1" smtClean="0"/>
+              <a:rPr lang="cs-CZ" sz="3600" dirty="0" err="1"/>
               <a:t>DataGrip</a:t>
             </a:r>
             <a:r>
-              <a:rPr lang="cs-CZ" dirty="0" smtClean="0"/>
+              <a:rPr lang="cs-CZ" sz="3600" dirty="0"/>
               <a:t> 2021.3.4</a:t>
             </a:r>
           </a:p>
           <a:p>
             <a:pPr rtl="0"/>
             <a:r>
-              <a:rPr lang="cs-CZ" dirty="0" err="1" smtClean="0"/>
+              <a:rPr lang="cs-CZ" sz="3600" dirty="0" err="1"/>
               <a:t>SQLite</a:t>
             </a:r>
-            <a:endParaRPr lang="cs-CZ" dirty="0" smtClean="0"/>
+            <a:endParaRPr lang="cs-CZ" sz="3600" dirty="0"/>
           </a:p>
           <a:p>
             <a:pPr rtl="0"/>
             <a:r>
-              <a:rPr lang="cs-CZ" dirty="0" smtClean="0"/>
+              <a:rPr lang="cs-CZ" sz="3600" dirty="0"/>
               <a:t>Google </a:t>
             </a:r>
             <a:r>
-              <a:rPr lang="cs-CZ" dirty="0" err="1" smtClean="0"/>
+              <a:rPr lang="cs-CZ" sz="3600" dirty="0" err="1"/>
               <a:t>Firebase</a:t>
             </a:r>
-            <a:endParaRPr lang="cs-CZ" dirty="0" smtClean="0"/>
+            <a:endParaRPr lang="cs-CZ" sz="3600" dirty="0"/>
           </a:p>
           <a:p>
             <a:pPr lvl="1"/>
             <a:r>
-              <a:rPr lang="cs-CZ" dirty="0" smtClean="0"/>
+              <a:rPr lang="cs-CZ" sz="2900" dirty="0"/>
               <a:t>Google </a:t>
             </a:r>
             <a:r>
-              <a:rPr lang="cs-CZ" dirty="0" err="1" smtClean="0"/>
+              <a:rPr lang="cs-CZ" sz="2900" dirty="0" err="1"/>
               <a:t>Firestore</a:t>
             </a:r>
-            <a:endParaRPr lang="cs-CZ" dirty="0" smtClean="0"/>
+            <a:endParaRPr lang="cs-CZ" sz="2900" dirty="0"/>
           </a:p>
           <a:p>
             <a:pPr rtl="0"/>
             <a:r>
-              <a:rPr lang="cs-CZ" dirty="0" err="1" smtClean="0"/>
+              <a:rPr lang="cs-CZ" sz="3600" dirty="0" err="1"/>
               <a:t>Figma</a:t>
             </a:r>
-            <a:endParaRPr lang="cs-CZ" dirty="0" smtClean="0"/>
+            <a:endParaRPr lang="cs-CZ" sz="3600" dirty="0"/>
           </a:p>
           <a:p>
             <a:pPr rtl="0"/>
             <a:r>
-              <a:rPr lang="cs-CZ" dirty="0" smtClean="0"/>
+              <a:rPr lang="cs-CZ" sz="3600" dirty="0"/>
               <a:t>Programy Adobe a MS Office</a:t>
             </a:r>
           </a:p>
           <a:p>
             <a:pPr rtl="0"/>
             <a:r>
-              <a:rPr lang="cs-CZ" dirty="0" err="1" smtClean="0"/>
+              <a:rPr lang="cs-CZ" sz="3600" dirty="0" err="1"/>
               <a:t>GitHub</a:t>
             </a:r>
-            <a:endParaRPr lang="cs-CZ" dirty="0" smtClean="0"/>
+            <a:endParaRPr lang="cs-CZ" sz="3600" dirty="0"/>
           </a:p>
           <a:p>
             <a:pPr rtl="0"/>
             <a:endParaRPr lang="cs-CZ" dirty="0"/>
+          </a:p>
+        </p:txBody>
+      </p:sp>
+      <p:sp>
+        <p:nvSpPr>
+          <p:cNvPr id="4" name="Zástupný symbol pro číslo snímku 3">
+            <a:extLst>
+              <a:ext uri="{FF2B5EF4-FFF2-40B4-BE49-F238E27FC236}">
+                <a16:creationId xmlns:a16="http://schemas.microsoft.com/office/drawing/2014/main" id="{7F77A926-EDB6-49D2-83F9-3E56120973EB}"/>
+              </a:ext>
+            </a:extLst>
+          </p:cNvPr>
+          <p:cNvSpPr>
+            <a:spLocks noGrp="1"/>
+          </p:cNvSpPr>
+          <p:nvPr>
+            <p:ph type="sldNum" sz="quarter" idx="12"/>
+          </p:nvPr>
+        </p:nvSpPr>
+        <p:spPr/>
+        <p:txBody>
+          <a:bodyPr/>
+          <a:lstStyle/>
+          <a:p>
+            <a:pPr rtl="0"/>
+            <a:fld id="{E31375A4-56A4-47D6-9801-1991572033F7}" type="slidenum">
+              <a:rPr lang="cs-CZ" noProof="0" smtClean="0"/>
+              <a:t>4</a:t>
+            </a:fld>
+            <a:endParaRPr lang="cs-CZ" noProof="0"/>
           </a:p>
         </p:txBody>
       </p:sp>
@@ -17157,13 +17281,6 @@
       </p:transition>
     </mc:Fallback>
   </mc:AlternateContent>
-  <p:timing>
-    <p:tnLst>
-      <p:par>
-        <p:cTn id="1" dur="indefinite" restart="never" nodeType="tmRoot"/>
-      </p:par>
-    </p:tnLst>
-  </p:timing>
 </p:sld>
 </file>
 
@@ -17200,7 +17317,7 @@
           <a:lstStyle/>
           <a:p>
             <a:r>
-              <a:rPr lang="cs-CZ" dirty="0" err="1" smtClean="0"/>
+              <a:rPr lang="cs-CZ" dirty="0" err="1"/>
               <a:t>Frontend</a:t>
             </a:r>
             <a:endParaRPr lang="cs-CZ" dirty="0"/>
@@ -17248,13 +17365,6 @@
       </p:transition>
     </mc:Fallback>
   </mc:AlternateContent>
-  <p:timing>
-    <p:tnLst>
-      <p:par>
-        <p:cTn id="1" dur="indefinite" restart="never" nodeType="tmRoot"/>
-      </p:par>
-    </p:tnLst>
-  </p:timing>
 </p:sld>
 </file>
 
@@ -17291,10 +17401,9 @@
           <a:lstStyle/>
           <a:p>
             <a:r>
-              <a:rPr lang="cs-CZ" dirty="0" smtClean="0"/>
+              <a:rPr lang="cs-CZ" dirty="0"/>
               <a:t>Jak se vyvíjí front end pro Android?</a:t>
             </a:r>
-            <a:endParaRPr lang="cs-CZ" dirty="0"/>
           </a:p>
         </p:txBody>
       </p:sp>
@@ -17319,69 +17428,102 @@
           <a:lstStyle/>
           <a:p>
             <a:r>
-              <a:rPr lang="cs-CZ" dirty="0" smtClean="0"/>
+              <a:rPr lang="cs-CZ" dirty="0"/>
               <a:t>Návrh v grafickém nástroji</a:t>
             </a:r>
           </a:p>
           <a:p>
             <a:r>
-              <a:rPr lang="cs-CZ" dirty="0" smtClean="0"/>
+              <a:rPr lang="cs-CZ" dirty="0"/>
               <a:t>Transformace návrhu do XML souboru</a:t>
             </a:r>
           </a:p>
           <a:p>
             <a:pPr lvl="1"/>
             <a:r>
-              <a:rPr lang="cs-CZ" sz="1400" dirty="0" smtClean="0"/>
+              <a:rPr lang="cs-CZ" sz="1600" dirty="0"/>
               <a:t>Tzv. </a:t>
             </a:r>
             <a:r>
-              <a:rPr lang="cs-CZ" sz="1400" dirty="0" err="1" smtClean="0"/>
+              <a:rPr lang="cs-CZ" sz="1600" dirty="0" err="1"/>
               <a:t>Activity</a:t>
             </a:r>
             <a:r>
-              <a:rPr lang="cs-CZ" sz="1400" dirty="0" smtClean="0"/>
+              <a:rPr lang="cs-CZ" sz="1600" dirty="0"/>
               <a:t> (např. </a:t>
             </a:r>
             <a:r>
-              <a:rPr lang="cs-CZ" sz="1400" i="1" dirty="0" smtClean="0"/>
+              <a:rPr lang="cs-CZ" sz="1600" i="1" dirty="0"/>
               <a:t>activity_main.xml</a:t>
             </a:r>
             <a:r>
-              <a:rPr lang="cs-CZ" sz="1400" dirty="0" smtClean="0"/>
+              <a:rPr lang="cs-CZ" sz="1600" dirty="0"/>
               <a:t>)</a:t>
             </a:r>
           </a:p>
           <a:p>
             <a:pPr lvl="1"/>
             <a:r>
-              <a:rPr lang="cs-CZ" sz="1400" dirty="0" smtClean="0"/>
+              <a:rPr lang="cs-CZ" sz="1600" dirty="0"/>
               <a:t>Využití komponent</a:t>
             </a:r>
           </a:p>
           <a:p>
             <a:r>
-              <a:rPr lang="cs-CZ" dirty="0" smtClean="0"/>
-              <a:t>Stylizace barev a prvků jednotlivých komponent</a:t>
+              <a:rPr lang="cs-CZ" dirty="0"/>
+              <a:t>Stylizace</a:t>
+            </a:r>
+            <a:r>
+              <a:rPr lang="cs-CZ" sz="2100" dirty="0"/>
+              <a:t> barev a prvků jednotlivých komponent</a:t>
             </a:r>
           </a:p>
           <a:p>
             <a:pPr lvl="1"/>
             <a:r>
-              <a:rPr lang="cs-CZ" sz="1400" i="1" dirty="0"/>
-              <a:t>s</a:t>
+              <a:rPr lang="cs-CZ" sz="1600" i="1" dirty="0"/>
+              <a:t>styles.xml, themes.xml</a:t>
+            </a:r>
+          </a:p>
+          <a:p>
+            <a:r>
+              <a:rPr lang="cs-CZ" dirty="0"/>
+              <a:t>Testování</a:t>
             </a:r>
             <a:r>
-              <a:rPr lang="cs-CZ" sz="1400" i="1" dirty="0" smtClean="0"/>
-              <a:t>tyles.xml, themes.xml</a:t>
+              <a:rPr lang="cs-CZ" sz="2100" dirty="0"/>
+              <a:t> beta-testery</a:t>
             </a:r>
           </a:p>
-          <a:p>
-            <a:r>
-              <a:rPr lang="cs-CZ" dirty="0" smtClean="0"/>
-              <a:t>Testování beta-testery</a:t>
-            </a:r>
-            <a:endParaRPr lang="cs-CZ" dirty="0"/>
+        </p:txBody>
+      </p:sp>
+      <p:sp>
+        <p:nvSpPr>
+          <p:cNvPr id="4" name="Zástupný symbol pro číslo snímku 3">
+            <a:extLst>
+              <a:ext uri="{FF2B5EF4-FFF2-40B4-BE49-F238E27FC236}">
+                <a16:creationId xmlns:a16="http://schemas.microsoft.com/office/drawing/2014/main" id="{F0942A58-29DC-40A7-89F1-47FEB49DF9F0}"/>
+              </a:ext>
+            </a:extLst>
+          </p:cNvPr>
+          <p:cNvSpPr>
+            <a:spLocks noGrp="1"/>
+          </p:cNvSpPr>
+          <p:nvPr>
+            <p:ph type="sldNum" sz="quarter" idx="12"/>
+          </p:nvPr>
+        </p:nvSpPr>
+        <p:spPr/>
+        <p:txBody>
+          <a:bodyPr/>
+          <a:lstStyle/>
+          <a:p>
+            <a:pPr rtl="0"/>
+            <a:fld id="{E31375A4-56A4-47D6-9801-1991572033F7}" type="slidenum">
+              <a:rPr lang="cs-CZ" noProof="0" smtClean="0"/>
+              <a:t>6</a:t>
+            </a:fld>
+            <a:endParaRPr lang="cs-CZ" noProof="0"/>
           </a:p>
         </p:txBody>
       </p:sp>
@@ -17407,13 +17549,6 @@
       </p:transition>
     </mc:Fallback>
   </mc:AlternateContent>
-  <p:timing>
-    <p:tnLst>
-      <p:par>
-        <p:cTn id="1" dur="indefinite" restart="never" nodeType="tmRoot"/>
-      </p:par>
-    </p:tnLst>
-  </p:timing>
 </p:sld>
 </file>
 
@@ -17450,7 +17585,7 @@
           <a:lstStyle/>
           <a:p>
             <a:r>
-              <a:rPr lang="cs-CZ" dirty="0" err="1" smtClean="0"/>
+              <a:rPr lang="cs-CZ" dirty="0" err="1"/>
               <a:t>RecyclerView</a:t>
             </a:r>
             <a:endParaRPr lang="cs-CZ" dirty="0"/>
@@ -17473,50 +17608,50 @@
           <a:lstStyle/>
           <a:p>
             <a:r>
-              <a:rPr lang="cs-CZ" dirty="0" smtClean="0"/>
+              <a:rPr lang="cs-CZ" dirty="0"/>
               <a:t>Dynamický seznam</a:t>
             </a:r>
           </a:p>
           <a:p>
             <a:r>
-              <a:rPr lang="cs-CZ" dirty="0" smtClean="0"/>
+              <a:rPr lang="cs-CZ" dirty="0"/>
               <a:t>Knihovna </a:t>
             </a:r>
             <a:r>
-              <a:rPr lang="cs-CZ" dirty="0" err="1" smtClean="0"/>
+              <a:rPr lang="cs-CZ" dirty="0" err="1"/>
               <a:t>RecyclerView</a:t>
             </a:r>
-            <a:endParaRPr lang="cs-CZ" dirty="0" smtClean="0"/>
+            <a:endParaRPr lang="cs-CZ" dirty="0"/>
           </a:p>
           <a:p>
             <a:r>
-              <a:rPr lang="cs-CZ" dirty="0" smtClean="0"/>
+              <a:rPr lang="cs-CZ" dirty="0"/>
               <a:t>Přidání dat pomocí </a:t>
             </a:r>
             <a:r>
-              <a:rPr lang="cs-CZ" dirty="0" err="1" smtClean="0"/>
+              <a:rPr lang="cs-CZ" dirty="0" err="1"/>
               <a:t>RecyclerView.Adapter</a:t>
             </a:r>
-            <a:endParaRPr lang="cs-CZ" dirty="0" smtClean="0"/>
+            <a:endParaRPr lang="cs-CZ" dirty="0"/>
           </a:p>
           <a:p>
             <a:r>
-              <a:rPr lang="cs-CZ" dirty="0" smtClean="0"/>
+              <a:rPr lang="cs-CZ" dirty="0"/>
               <a:t>Využití v aplikaci</a:t>
             </a:r>
           </a:p>
           <a:p>
             <a:pPr lvl="1"/>
             <a:r>
-              <a:rPr lang="cs-CZ" dirty="0" err="1" smtClean="0"/>
+              <a:rPr lang="cs-CZ" sz="1600" dirty="0" err="1"/>
               <a:t>CheatSheet</a:t>
             </a:r>
-            <a:endParaRPr lang="cs-CZ" dirty="0" smtClean="0"/>
+            <a:endParaRPr lang="cs-CZ" sz="1600" dirty="0"/>
           </a:p>
           <a:p>
             <a:pPr lvl="1"/>
             <a:r>
-              <a:rPr lang="cs-CZ" dirty="0" smtClean="0"/>
+              <a:rPr lang="cs-CZ" sz="1600" dirty="0"/>
               <a:t>Vyhodnocení na konci kvízu</a:t>
             </a:r>
             <a:endParaRPr lang="cs-CZ" dirty="0"/>
@@ -17563,6 +17698,36 @@
           </a:effectLst>
         </p:spPr>
       </p:pic>
+      <p:sp>
+        <p:nvSpPr>
+          <p:cNvPr id="5" name="Zástupný symbol pro číslo snímku 4">
+            <a:extLst>
+              <a:ext uri="{FF2B5EF4-FFF2-40B4-BE49-F238E27FC236}">
+                <a16:creationId xmlns:a16="http://schemas.microsoft.com/office/drawing/2014/main" id="{7CEDD782-B74F-46DD-97E7-7CAD72B2E840}"/>
+              </a:ext>
+            </a:extLst>
+          </p:cNvPr>
+          <p:cNvSpPr>
+            <a:spLocks noGrp="1"/>
+          </p:cNvSpPr>
+          <p:nvPr>
+            <p:ph type="sldNum" sz="quarter" idx="12"/>
+          </p:nvPr>
+        </p:nvSpPr>
+        <p:spPr/>
+        <p:txBody>
+          <a:bodyPr/>
+          <a:lstStyle/>
+          <a:p>
+            <a:pPr rtl="0"/>
+            <a:fld id="{E31375A4-56A4-47D6-9801-1991572033F7}" type="slidenum">
+              <a:rPr lang="cs-CZ" noProof="0" smtClean="0"/>
+              <a:t>7</a:t>
+            </a:fld>
+            <a:endParaRPr lang="cs-CZ" noProof="0"/>
+          </a:p>
+        </p:txBody>
+      </p:sp>
     </p:spTree>
     <p:extLst>
       <p:ext uri="{BB962C8B-B14F-4D97-AF65-F5344CB8AC3E}">
@@ -17585,13 +17750,6 @@
       </p:transition>
     </mc:Fallback>
   </mc:AlternateContent>
-  <p:timing>
-    <p:tnLst>
-      <p:par>
-        <p:cTn id="1" dur="indefinite" restart="never" nodeType="tmRoot"/>
-      </p:par>
-    </p:tnLst>
-  </p:timing>
 </p:sld>
 </file>
 
@@ -17712,6 +17870,37 @@
           </a:extLst>
         </p:spPr>
       </p:pic>
+      <p:sp>
+        <p:nvSpPr>
+          <p:cNvPr id="2" name="Zástupný symbol pro číslo snímku 1">
+            <a:extLst>
+              <a:ext uri="{FF2B5EF4-FFF2-40B4-BE49-F238E27FC236}">
+                <a16:creationId xmlns:a16="http://schemas.microsoft.com/office/drawing/2014/main" id="{61AF09E2-3ECB-4FF1-9A7D-891FEC1C8882}"/>
+              </a:ext>
+            </a:extLst>
+          </p:cNvPr>
+          <p:cNvSpPr>
+            <a:spLocks noGrp="1"/>
+          </p:cNvSpPr>
+          <p:nvPr>
+            <p:ph type="sldNum" sz="quarter" idx="12"/>
+          </p:nvPr>
+        </p:nvSpPr>
+        <p:spPr/>
+        <p:txBody>
+          <a:bodyPr/>
+          <a:lstStyle/>
+          <a:p>
+            <a:pPr rtl="0"/>
+            <a:fld id="{E31375A4-56A4-47D6-9801-1991572033F7}" type="slidenum">
+              <a:rPr lang="cs-CZ" noProof="0" smtClean="0"/>
+              <a:pPr rtl="0"/>
+              <a:t>8</a:t>
+            </a:fld>
+            <a:endParaRPr lang="cs-CZ" noProof="0"/>
+          </a:p>
+        </p:txBody>
+      </p:sp>
     </p:spTree>
     <p:extLst>
       <p:ext uri="{BB962C8B-B14F-4D97-AF65-F5344CB8AC3E}">
@@ -17734,13 +17923,6 @@
       </p:transition>
     </mc:Fallback>
   </mc:AlternateContent>
-  <p:timing>
-    <p:tnLst>
-      <p:par>
-        <p:cTn id="1" dur="indefinite" restart="never" nodeType="tmRoot"/>
-      </p:par>
-    </p:tnLst>
-  </p:timing>
 </p:sld>
 </file>
 
@@ -17777,10 +17959,9 @@
           <a:lstStyle/>
           <a:p>
             <a:r>
-              <a:rPr lang="cs-CZ" dirty="0" smtClean="0"/>
+              <a:rPr lang="cs-CZ" dirty="0"/>
               <a:t>Databáze</a:t>
             </a:r>
-            <a:endParaRPr lang="cs-CZ" dirty="0"/>
           </a:p>
         </p:txBody>
       </p:sp>
@@ -17825,13 +18006,6 @@
       </p:transition>
     </mc:Fallback>
   </mc:AlternateContent>
-  <p:timing>
-    <p:tnLst>
-      <p:par>
-        <p:cTn id="1" dur="indefinite" restart="never" nodeType="tmRoot"/>
-      </p:par>
-    </p:tnLst>
-  </p:timing>
 </p:sld>
 </file>
 
